--- a/Slides/Geog4300 Fa17 Lecture 11-1 Matched two sample tests.pptx
+++ b/Slides/Geog4300 Fa17 Lecture 11-1 Matched two sample tests.pptx
@@ -1059,6 +1059,11 @@
         </p:txBody>
       </p:sp>
     </p:spTree>
+    <p:extLst>
+      <p:ext uri="{BB962C8B-B14F-4D97-AF65-F5344CB8AC3E}">
+        <p14:creationId xmlns:p14="http://schemas.microsoft.com/office/powerpoint/2010/main" val="3682081998"/>
+      </p:ext>
+    </p:extLst>
   </p:cSld>
   <p:clrMap bg1="lt1" tx1="dk1" bg2="dk2" tx2="lt2" accent1="accent1" accent2="accent2" accent3="accent3" accent4="accent4" accent5="accent5" accent6="accent6" hlink="hlink" folHlink="folHlink"/>
   <p:notesStyle>
@@ -1333,6 +1338,11 @@
         </p:txBody>
       </p:sp>
     </p:spTree>
+    <p:extLst>
+      <p:ext uri="{BB962C8B-B14F-4D97-AF65-F5344CB8AC3E}">
+        <p14:creationId xmlns:p14="http://schemas.microsoft.com/office/powerpoint/2010/main" val="1101438400"/>
+      </p:ext>
+    </p:extLst>
   </p:cSld>
   <p:clrMapOvr>
     <a:masterClrMapping/>
@@ -1517,6 +1527,11 @@
         </p:txBody>
       </p:sp>
     </p:spTree>
+    <p:extLst>
+      <p:ext uri="{BB962C8B-B14F-4D97-AF65-F5344CB8AC3E}">
+        <p14:creationId xmlns:p14="http://schemas.microsoft.com/office/powerpoint/2010/main" val="2701129215"/>
+      </p:ext>
+    </p:extLst>
   </p:cSld>
   <p:clrMapOvr>
     <a:masterClrMapping/>
@@ -1701,6 +1716,11 @@
         </p:txBody>
       </p:sp>
     </p:spTree>
+    <p:extLst>
+      <p:ext uri="{BB962C8B-B14F-4D97-AF65-F5344CB8AC3E}">
+        <p14:creationId xmlns:p14="http://schemas.microsoft.com/office/powerpoint/2010/main" val="2174819030"/>
+      </p:ext>
+    </p:extLst>
   </p:cSld>
   <p:clrMapOvr>
     <a:masterClrMapping/>
@@ -1885,6 +1905,11 @@
         </p:txBody>
       </p:sp>
     </p:spTree>
+    <p:extLst>
+      <p:ext uri="{BB962C8B-B14F-4D97-AF65-F5344CB8AC3E}">
+        <p14:creationId xmlns:p14="http://schemas.microsoft.com/office/powerpoint/2010/main" val="1537932175"/>
+      </p:ext>
+    </p:extLst>
   </p:cSld>
   <p:clrMapOvr>
     <a:masterClrMapping/>
@@ -2069,6 +2094,11 @@
         </p:txBody>
       </p:sp>
     </p:spTree>
+    <p:extLst>
+      <p:ext uri="{BB962C8B-B14F-4D97-AF65-F5344CB8AC3E}">
+        <p14:creationId xmlns:p14="http://schemas.microsoft.com/office/powerpoint/2010/main" val="3040633650"/>
+      </p:ext>
+    </p:extLst>
   </p:cSld>
   <p:clrMapOvr>
     <a:masterClrMapping/>
@@ -2253,6 +2283,11 @@
         </p:txBody>
       </p:sp>
     </p:spTree>
+    <p:extLst>
+      <p:ext uri="{BB962C8B-B14F-4D97-AF65-F5344CB8AC3E}">
+        <p14:creationId xmlns:p14="http://schemas.microsoft.com/office/powerpoint/2010/main" val="3564218075"/>
+      </p:ext>
+    </p:extLst>
   </p:cSld>
   <p:clrMapOvr>
     <a:masterClrMapping/>
@@ -2437,6 +2472,11 @@
         </p:txBody>
       </p:sp>
     </p:spTree>
+    <p:extLst>
+      <p:ext uri="{BB962C8B-B14F-4D97-AF65-F5344CB8AC3E}">
+        <p14:creationId xmlns:p14="http://schemas.microsoft.com/office/powerpoint/2010/main" val="821340573"/>
+      </p:ext>
+    </p:extLst>
   </p:cSld>
   <p:clrMapOvr>
     <a:masterClrMapping/>
@@ -2621,6 +2661,11 @@
         </p:txBody>
       </p:sp>
     </p:spTree>
+    <p:extLst>
+      <p:ext uri="{BB962C8B-B14F-4D97-AF65-F5344CB8AC3E}">
+        <p14:creationId xmlns:p14="http://schemas.microsoft.com/office/powerpoint/2010/main" val="2881323970"/>
+      </p:ext>
+    </p:extLst>
   </p:cSld>
   <p:clrMapOvr>
     <a:masterClrMapping/>
@@ -2805,6 +2850,11 @@
         </p:txBody>
       </p:sp>
     </p:spTree>
+    <p:extLst>
+      <p:ext uri="{BB962C8B-B14F-4D97-AF65-F5344CB8AC3E}">
+        <p14:creationId xmlns:p14="http://schemas.microsoft.com/office/powerpoint/2010/main" val="4181361394"/>
+      </p:ext>
+    </p:extLst>
   </p:cSld>
   <p:clrMapOvr>
     <a:masterClrMapping/>
@@ -2989,6 +3039,11 @@
         </p:txBody>
       </p:sp>
     </p:spTree>
+    <p:extLst>
+      <p:ext uri="{BB962C8B-B14F-4D97-AF65-F5344CB8AC3E}">
+        <p14:creationId xmlns:p14="http://schemas.microsoft.com/office/powerpoint/2010/main" val="3744216635"/>
+      </p:ext>
+    </p:extLst>
   </p:cSld>
   <p:clrMapOvr>
     <a:masterClrMapping/>
@@ -3173,6 +3228,11 @@
         </p:txBody>
       </p:sp>
     </p:spTree>
+    <p:extLst>
+      <p:ext uri="{BB962C8B-B14F-4D97-AF65-F5344CB8AC3E}">
+        <p14:creationId xmlns:p14="http://schemas.microsoft.com/office/powerpoint/2010/main" val="724503133"/>
+      </p:ext>
+    </p:extLst>
   </p:cSld>
   <p:clrMapOvr>
     <a:masterClrMapping/>
@@ -3357,6 +3417,11 @@
         </p:txBody>
       </p:sp>
     </p:spTree>
+    <p:extLst>
+      <p:ext uri="{BB962C8B-B14F-4D97-AF65-F5344CB8AC3E}">
+        <p14:creationId xmlns:p14="http://schemas.microsoft.com/office/powerpoint/2010/main" val="4002246454"/>
+      </p:ext>
+    </p:extLst>
   </p:cSld>
   <p:clrMapOvr>
     <a:masterClrMapping/>
@@ -3541,6 +3606,11 @@
         </p:txBody>
       </p:sp>
     </p:spTree>
+    <p:extLst>
+      <p:ext uri="{BB962C8B-B14F-4D97-AF65-F5344CB8AC3E}">
+        <p14:creationId xmlns:p14="http://schemas.microsoft.com/office/powerpoint/2010/main" val="787456362"/>
+      </p:ext>
+    </p:extLst>
   </p:cSld>
   <p:clrMapOvr>
     <a:masterClrMapping/>
@@ -15854,6 +15924,13 @@
   <p:clrMapOvr>
     <a:masterClrMapping/>
   </p:clrMapOvr>
+  <p:timing>
+    <p:tnLst>
+      <p:par>
+        <p:cTn id="1" dur="indefinite" restart="never" nodeType="tmRoot"/>
+      </p:par>
+    </p:tnLst>
+  </p:timing>
 </p:sld>
 </file>
 
@@ -17791,6 +17868,13 @@
   <p:clrMapOvr>
     <a:masterClrMapping/>
   </p:clrMapOvr>
+  <p:timing>
+    <p:tnLst>
+      <p:par>
+        <p:cTn id="1" dur="indefinite" restart="never" nodeType="tmRoot"/>
+      </p:par>
+    </p:tnLst>
+  </p:timing>
 </p:sld>
 </file>
 
@@ -19876,7 +19960,7 @@
               <a:buNone/>
             </a:pPr>
             <a:r>
-              <a:rPr lang="en-US" sz="3600">
+              <a:rPr lang="en-US" sz="3600" dirty="0" smtClean="0">
                 <a:solidFill>
                   <a:srgbClr val="FFFF66"/>
                 </a:solidFill>
@@ -19885,1665 +19969,374 @@
                 <a:cs typeface="Gill Sans MT"/>
                 <a:sym typeface="Gill Sans MT"/>
               </a:rPr>
-              <a:t>Matched pair tests vs. independent sample</a:t>
+              <a:t>T-tests in Excel</a:t>
             </a:r>
+          </a:p>
+          <a:p>
+            <a:pPr marL="0" marR="0" lvl="0" indent="0" algn="ctr" rtl="0">
+              <a:spcBef>
+                <a:spcPts val="0"/>
+              </a:spcBef>
+              <a:buSzPct val="25000"/>
+              <a:buNone/>
+            </a:pPr>
+            <a:r>
+              <a:rPr lang="en-US" sz="3600" dirty="0" smtClean="0">
+                <a:solidFill>
+                  <a:srgbClr val="FFFF66"/>
+                </a:solidFill>
+                <a:latin typeface="Gill Sans MT"/>
+                <a:ea typeface="Gill Sans MT"/>
+                <a:cs typeface="Gill Sans MT"/>
+                <a:sym typeface="Gill Sans MT"/>
+              </a:rPr>
+              <a:t>Liters of coffee sold on campus each day</a:t>
+            </a:r>
+            <a:endParaRPr lang="en-US" sz="3600" dirty="0">
+              <a:solidFill>
+                <a:srgbClr val="FFFF66"/>
+              </a:solidFill>
+              <a:latin typeface="Gill Sans MT"/>
+              <a:ea typeface="Gill Sans MT"/>
+              <a:cs typeface="Gill Sans MT"/>
+              <a:sym typeface="Gill Sans MT"/>
+            </a:endParaRPr>
           </a:p>
         </p:txBody>
       </p:sp>
       <p:graphicFrame>
         <p:nvGraphicFramePr>
-          <p:cNvPr id="226" name="Shape 226"/>
-          <p:cNvGraphicFramePr/>
-          <p:nvPr/>
+          <p:cNvPr id="2" name="Table 1"/>
+          <p:cNvGraphicFramePr>
+            <a:graphicFrameLocks noGrp="1"/>
+          </p:cNvGraphicFramePr>
+          <p:nvPr>
+            <p:extLst>
+              <p:ext uri="{D42A27DB-BD31-4B8C-83A1-F6EECF244321}">
+                <p14:modId xmlns:p14="http://schemas.microsoft.com/office/powerpoint/2010/main" val="1236667593"/>
+              </p:ext>
+            </p:extLst>
+          </p:nvPr>
         </p:nvGraphicFramePr>
         <p:xfrm>
-          <a:off x="3276600" y="1066800"/>
-          <a:ext cx="2355375" cy="3800475"/>
+          <a:off x="1492691" y="2017486"/>
+          <a:ext cx="6096000" cy="3657600"/>
         </p:xfrm>
         <a:graphic>
           <a:graphicData uri="http://schemas.openxmlformats.org/drawingml/2006/table">
             <a:tbl>
-              <a:tblPr>
-                <a:noFill/>
+              <a:tblPr firstRow="1" bandRow="1">
                 <a:tableStyleId>{191AEF42-BE87-4646-91D1-742295750099}</a:tableStyleId>
               </a:tblPr>
               <a:tblGrid>
-                <a:gridCol w="248700">
+                <a:gridCol w="3048000">
                   <a:extLst>
                     <a:ext uri="{9D8B030D-6E8A-4147-A177-3AD203B41FA5}">
-                      <a16:colId xmlns:a16="http://schemas.microsoft.com/office/drawing/2014/main" val="20000"/>
+                      <a16:colId xmlns:a16="http://schemas.microsoft.com/office/drawing/2014/main" val="2794388243"/>
                     </a:ext>
                   </a:extLst>
                 </a:gridCol>
-                <a:gridCol w="702225">
+                <a:gridCol w="3048000">
                   <a:extLst>
                     <a:ext uri="{9D8B030D-6E8A-4147-A177-3AD203B41FA5}">
-                      <a16:colId xmlns:a16="http://schemas.microsoft.com/office/drawing/2014/main" val="20001"/>
-                    </a:ext>
-                  </a:extLst>
-                </a:gridCol>
-                <a:gridCol w="702225">
-                  <a:extLst>
-                    <a:ext uri="{9D8B030D-6E8A-4147-A177-3AD203B41FA5}">
-                      <a16:colId xmlns:a16="http://schemas.microsoft.com/office/drawing/2014/main" val="20002"/>
-                    </a:ext>
-                  </a:extLst>
-                </a:gridCol>
-                <a:gridCol w="702225">
-                  <a:extLst>
-                    <a:ext uri="{9D8B030D-6E8A-4147-A177-3AD203B41FA5}">
-                      <a16:colId xmlns:a16="http://schemas.microsoft.com/office/drawing/2014/main" val="20003"/>
+                      <a16:colId xmlns:a16="http://schemas.microsoft.com/office/drawing/2014/main" val="3266144646"/>
                     </a:ext>
                   </a:extLst>
                 </a:gridCol>
               </a:tblGrid>
-              <a:tr h="202125">
-                <a:tc>
-                  <a:txBody>
-                    <a:bodyPr/>
-                    <a:lstStyle/>
-                    <a:p>
-                      <a:pPr marL="0" marR="0" lvl="0" indent="0" algn="ctr" rtl="0">
-                        <a:spcBef>
-                          <a:spcPts val="0"/>
-                        </a:spcBef>
-                        <a:buSzPct val="25000"/>
-                        <a:buNone/>
-                      </a:pPr>
-                      <a:endParaRPr sz="1600" b="1" i="0" u="none" strike="noStrike">
-                        <a:solidFill>
-                          <a:srgbClr val="000000"/>
-                        </a:solidFill>
-                        <a:latin typeface="Calibri"/>
-                        <a:ea typeface="Calibri"/>
-                        <a:cs typeface="Calibri"/>
-                        <a:sym typeface="Calibri"/>
-                      </a:endParaRPr>
-                    </a:p>
-                  </a:txBody>
-                  <a:tcPr marL="9525" marR="9525" marT="9525" marB="0" anchor="b">
-                    <a:solidFill>
-                      <a:srgbClr val="F2F2F2"/>
-                    </a:solidFill>
-                  </a:tcPr>
-                </a:tc>
-                <a:tc>
-                  <a:txBody>
-                    <a:bodyPr/>
-                    <a:lstStyle/>
-                    <a:p>
-                      <a:pPr marL="0" marR="0" lvl="0" indent="0" algn="ctr" rtl="0">
-                        <a:spcBef>
-                          <a:spcPts val="0"/>
-                        </a:spcBef>
-                        <a:buSzPct val="25000"/>
-                        <a:buNone/>
-                      </a:pPr>
-                      <a:r>
-                        <a:rPr lang="en-US" sz="1600" b="1" u="none" strike="noStrike"/>
-                        <a:t>1990</a:t>
-                      </a:r>
-                    </a:p>
-                  </a:txBody>
-                  <a:tcPr marL="9525" marR="9525" marT="9525" marB="0" anchor="b">
-                    <a:solidFill>
-                      <a:srgbClr val="F2F2F2"/>
-                    </a:solidFill>
-                  </a:tcPr>
-                </a:tc>
-                <a:tc>
-                  <a:txBody>
-                    <a:bodyPr/>
-                    <a:lstStyle/>
-                    <a:p>
-                      <a:pPr marL="0" marR="0" lvl="0" indent="0" algn="ctr" rtl="0">
-                        <a:spcBef>
-                          <a:spcPts val="0"/>
-                        </a:spcBef>
-                        <a:buSzPct val="25000"/>
-                        <a:buNone/>
-                      </a:pPr>
-                      <a:r>
-                        <a:rPr lang="en-US" sz="1600" b="1" u="none" strike="noStrike"/>
-                        <a:t>2010</a:t>
-                      </a:r>
-                    </a:p>
-                  </a:txBody>
-                  <a:tcPr marL="9525" marR="9525" marT="9525" marB="0" anchor="b">
-                    <a:solidFill>
-                      <a:srgbClr val="F2F2F2"/>
-                    </a:solidFill>
-                  </a:tcPr>
-                </a:tc>
-                <a:tc>
-                  <a:txBody>
-                    <a:bodyPr/>
-                    <a:lstStyle/>
-                    <a:p>
-                      <a:pPr marL="0" marR="0" lvl="0" indent="0" algn="ctr" rtl="0">
-                        <a:spcBef>
-                          <a:spcPts val="0"/>
-                        </a:spcBef>
-                        <a:buSzPct val="25000"/>
-                        <a:buNone/>
-                      </a:pPr>
-                      <a:r>
-                        <a:rPr lang="en-US" sz="1600" b="1" u="none" strike="noStrike">
-                          <a:solidFill>
-                            <a:srgbClr val="FFFF99"/>
-                          </a:solidFill>
-                        </a:rPr>
-                        <a:t>diff</a:t>
-                      </a:r>
-                    </a:p>
-                  </a:txBody>
-                  <a:tcPr marL="9525" marR="9525" marT="9525" marB="0" anchor="b">
-                    <a:solidFill>
-                      <a:srgbClr val="366092"/>
-                    </a:solidFill>
-                  </a:tcPr>
+              <a:tr h="370840">
+                <a:tc>
+                  <a:txBody>
+                    <a:bodyPr/>
+                    <a:lstStyle/>
+                    <a:p>
+                      <a:pPr algn="ctr"/>
+                      <a:r>
+                        <a:rPr lang="en-US" sz="2400" dirty="0" smtClean="0"/>
+                        <a:t>UGA</a:t>
+                      </a:r>
+                      <a:endParaRPr lang="en-US" sz="2400" dirty="0"/>
+                    </a:p>
+                  </a:txBody>
+                  <a:tcPr/>
+                </a:tc>
+                <a:tc>
+                  <a:txBody>
+                    <a:bodyPr/>
+                    <a:lstStyle/>
+                    <a:p>
+                      <a:pPr algn="ctr"/>
+                      <a:r>
+                        <a:rPr lang="en-US" sz="2400" dirty="0" smtClean="0"/>
+                        <a:t>Georgia Tech</a:t>
+                      </a:r>
+                      <a:endParaRPr lang="en-US" sz="2400" dirty="0"/>
+                    </a:p>
+                  </a:txBody>
+                  <a:tcPr/>
                 </a:tc>
                 <a:extLst>
                   <a:ext uri="{0D108BD9-81ED-4DB2-BD59-A6C34878D82A}">
-                    <a16:rowId xmlns:a16="http://schemas.microsoft.com/office/drawing/2014/main" val="10000"/>
+                    <a16:rowId xmlns:a16="http://schemas.microsoft.com/office/drawing/2014/main" val="2602220480"/>
                   </a:ext>
                 </a:extLst>
               </a:tr>
-              <a:tr h="202125">
-                <a:tc>
-                  <a:txBody>
-                    <a:bodyPr/>
-                    <a:lstStyle/>
-                    <a:p>
-                      <a:pPr marL="0" marR="0" lvl="0" indent="0" algn="ctr" rtl="0">
-                        <a:spcBef>
-                          <a:spcPts val="0"/>
-                        </a:spcBef>
-                        <a:buSzPct val="25000"/>
-                        <a:buNone/>
-                      </a:pPr>
-                      <a:r>
-                        <a:rPr lang="en-US" sz="1600" b="1" u="none" strike="noStrike"/>
-                        <a:t>A</a:t>
-                      </a:r>
-                    </a:p>
-                  </a:txBody>
-                  <a:tcPr marL="9525" marR="9525" marT="9525" marB="0" anchor="b">
-                    <a:solidFill>
-                      <a:srgbClr val="F2F2F2"/>
-                    </a:solidFill>
-                  </a:tcPr>
-                </a:tc>
-                <a:tc>
-                  <a:txBody>
-                    <a:bodyPr/>
-                    <a:lstStyle/>
-                    <a:p>
-                      <a:pPr marL="0" marR="0" lvl="0" indent="0" algn="ctr" rtl="0">
-                        <a:spcBef>
-                          <a:spcPts val="0"/>
-                        </a:spcBef>
-                        <a:buSzPct val="25000"/>
-                        <a:buNone/>
-                      </a:pPr>
-                      <a:r>
-                        <a:rPr lang="en-US" sz="1600" u="none" strike="noStrike"/>
-                        <a:t>334</a:t>
-                      </a:r>
-                    </a:p>
-                  </a:txBody>
-                  <a:tcPr marL="9525" marR="9525" marT="9525" marB="0" anchor="b">
-                    <a:solidFill>
-                      <a:srgbClr val="F2F2F2"/>
-                    </a:solidFill>
-                  </a:tcPr>
-                </a:tc>
-                <a:tc>
-                  <a:txBody>
-                    <a:bodyPr/>
-                    <a:lstStyle/>
-                    <a:p>
-                      <a:pPr marL="0" marR="0" lvl="0" indent="0" algn="ctr" rtl="0">
-                        <a:spcBef>
-                          <a:spcPts val="0"/>
-                        </a:spcBef>
-                        <a:buSzPct val="25000"/>
-                        <a:buNone/>
-                      </a:pPr>
-                      <a:r>
-                        <a:rPr lang="en-US" sz="1600" u="none" strike="noStrike"/>
-                        <a:t>316</a:t>
-                      </a:r>
-                    </a:p>
-                  </a:txBody>
-                  <a:tcPr marL="9525" marR="9525" marT="9525" marB="0" anchor="b">
-                    <a:solidFill>
-                      <a:srgbClr val="F2F2F2"/>
-                    </a:solidFill>
-                  </a:tcPr>
-                </a:tc>
-                <a:tc>
-                  <a:txBody>
-                    <a:bodyPr/>
-                    <a:lstStyle/>
-                    <a:p>
-                      <a:pPr marL="0" marR="0" lvl="0" indent="0" algn="ctr" rtl="0">
-                        <a:spcBef>
-                          <a:spcPts val="0"/>
-                        </a:spcBef>
-                        <a:buSzPct val="25000"/>
-                        <a:buNone/>
-                      </a:pPr>
-                      <a:r>
-                        <a:rPr lang="en-US" sz="1600" u="none" strike="noStrike">
-                          <a:solidFill>
-                            <a:srgbClr val="FFFF99"/>
-                          </a:solidFill>
-                        </a:rPr>
-                        <a:t>18</a:t>
-                      </a:r>
-                    </a:p>
-                  </a:txBody>
-                  <a:tcPr marL="9525" marR="9525" marT="9525" marB="0" anchor="b">
-                    <a:solidFill>
-                      <a:srgbClr val="366092"/>
-                    </a:solidFill>
-                  </a:tcPr>
+              <a:tr h="370840">
+                <a:tc>
+                  <a:txBody>
+                    <a:bodyPr/>
+                    <a:lstStyle/>
+                    <a:p>
+                      <a:pPr algn="ctr"/>
+                      <a:r>
+                        <a:rPr lang="en-US" sz="2400" dirty="0" smtClean="0"/>
+                        <a:t>12.4</a:t>
+                      </a:r>
+                      <a:endParaRPr lang="en-US" sz="2400" dirty="0"/>
+                    </a:p>
+                  </a:txBody>
+                  <a:tcPr/>
+                </a:tc>
+                <a:tc>
+                  <a:txBody>
+                    <a:bodyPr/>
+                    <a:lstStyle/>
+                    <a:p>
+                      <a:pPr algn="ctr"/>
+                      <a:r>
+                        <a:rPr lang="en-US" sz="2400" dirty="0" smtClean="0"/>
+                        <a:t>10.7</a:t>
+                      </a:r>
+                      <a:endParaRPr lang="en-US" sz="2400" dirty="0"/>
+                    </a:p>
+                  </a:txBody>
+                  <a:tcPr/>
                 </a:tc>
                 <a:extLst>
                   <a:ext uri="{0D108BD9-81ED-4DB2-BD59-A6C34878D82A}">
-                    <a16:rowId xmlns:a16="http://schemas.microsoft.com/office/drawing/2014/main" val="10001"/>
+                    <a16:rowId xmlns:a16="http://schemas.microsoft.com/office/drawing/2014/main" val="4037684778"/>
                   </a:ext>
                 </a:extLst>
               </a:tr>
-              <a:tr h="202125">
-                <a:tc>
-                  <a:txBody>
-                    <a:bodyPr/>
-                    <a:lstStyle/>
-                    <a:p>
-                      <a:pPr marL="0" marR="0" lvl="0" indent="0" algn="ctr" rtl="0">
-                        <a:spcBef>
-                          <a:spcPts val="0"/>
-                        </a:spcBef>
-                        <a:buSzPct val="25000"/>
-                        <a:buNone/>
-                      </a:pPr>
-                      <a:r>
-                        <a:rPr lang="en-US" sz="1600" b="1" u="none" strike="noStrike"/>
-                        <a:t>B</a:t>
-                      </a:r>
-                    </a:p>
-                  </a:txBody>
-                  <a:tcPr marL="9525" marR="9525" marT="9525" marB="0" anchor="b">
-                    <a:solidFill>
-                      <a:srgbClr val="F2F2F2"/>
-                    </a:solidFill>
-                  </a:tcPr>
-                </a:tc>
-                <a:tc>
-                  <a:txBody>
-                    <a:bodyPr/>
-                    <a:lstStyle/>
-                    <a:p>
-                      <a:pPr marL="0" marR="0" lvl="0" indent="0" algn="ctr" rtl="0">
-                        <a:spcBef>
-                          <a:spcPts val="0"/>
-                        </a:spcBef>
-                        <a:buSzPct val="25000"/>
-                        <a:buNone/>
-                      </a:pPr>
-                      <a:r>
-                        <a:rPr lang="en-US" sz="1600" u="none" strike="noStrike"/>
-                        <a:t>231</a:t>
-                      </a:r>
-                    </a:p>
-                  </a:txBody>
-                  <a:tcPr marL="9525" marR="9525" marT="9525" marB="0" anchor="b">
-                    <a:solidFill>
-                      <a:srgbClr val="F2F2F2"/>
-                    </a:solidFill>
-                  </a:tcPr>
-                </a:tc>
-                <a:tc>
-                  <a:txBody>
-                    <a:bodyPr/>
-                    <a:lstStyle/>
-                    <a:p>
-                      <a:pPr marL="0" marR="0" lvl="0" indent="0" algn="ctr" rtl="0">
-                        <a:spcBef>
-                          <a:spcPts val="0"/>
-                        </a:spcBef>
-                        <a:buSzPct val="25000"/>
-                        <a:buNone/>
-                      </a:pPr>
-                      <a:r>
-                        <a:rPr lang="en-US" sz="1600" u="none" strike="noStrike"/>
-                        <a:t>217</a:t>
-                      </a:r>
-                    </a:p>
-                  </a:txBody>
-                  <a:tcPr marL="9525" marR="9525" marT="9525" marB="0" anchor="b">
-                    <a:solidFill>
-                      <a:srgbClr val="F2F2F2"/>
-                    </a:solidFill>
-                  </a:tcPr>
-                </a:tc>
-                <a:tc>
-                  <a:txBody>
-                    <a:bodyPr/>
-                    <a:lstStyle/>
-                    <a:p>
-                      <a:pPr marL="0" marR="0" lvl="0" indent="0" algn="ctr" rtl="0">
-                        <a:spcBef>
-                          <a:spcPts val="0"/>
-                        </a:spcBef>
-                        <a:buSzPct val="25000"/>
-                        <a:buNone/>
-                      </a:pPr>
-                      <a:r>
-                        <a:rPr lang="en-US" sz="1600" u="none" strike="noStrike">
-                          <a:solidFill>
-                            <a:srgbClr val="FFFF99"/>
-                          </a:solidFill>
-                        </a:rPr>
-                        <a:t>14</a:t>
-                      </a:r>
-                    </a:p>
-                  </a:txBody>
-                  <a:tcPr marL="9525" marR="9525" marT="9525" marB="0" anchor="b">
-                    <a:solidFill>
-                      <a:srgbClr val="366092"/>
-                    </a:solidFill>
-                  </a:tcPr>
+              <a:tr h="370840">
+                <a:tc>
+                  <a:txBody>
+                    <a:bodyPr/>
+                    <a:lstStyle/>
+                    <a:p>
+                      <a:pPr algn="ctr"/>
+                      <a:r>
+                        <a:rPr lang="en-US" sz="2400" dirty="0" smtClean="0"/>
+                        <a:t>13.9</a:t>
+                      </a:r>
+                      <a:endParaRPr lang="en-US" sz="2400" dirty="0"/>
+                    </a:p>
+                  </a:txBody>
+                  <a:tcPr/>
+                </a:tc>
+                <a:tc>
+                  <a:txBody>
+                    <a:bodyPr/>
+                    <a:lstStyle/>
+                    <a:p>
+                      <a:pPr algn="ctr"/>
+                      <a:r>
+                        <a:rPr lang="en-US" sz="2400" dirty="0" smtClean="0"/>
+                        <a:t>11.1</a:t>
+                      </a:r>
+                      <a:endParaRPr lang="en-US" sz="2400" dirty="0"/>
+                    </a:p>
+                  </a:txBody>
+                  <a:tcPr/>
                 </a:tc>
                 <a:extLst>
                   <a:ext uri="{0D108BD9-81ED-4DB2-BD59-A6C34878D82A}">
-                    <a16:rowId xmlns:a16="http://schemas.microsoft.com/office/drawing/2014/main" val="10002"/>
+                    <a16:rowId xmlns:a16="http://schemas.microsoft.com/office/drawing/2014/main" val="2958838185"/>
                   </a:ext>
                 </a:extLst>
               </a:tr>
-              <a:tr h="202125">
-                <a:tc>
-                  <a:txBody>
-                    <a:bodyPr/>
-                    <a:lstStyle/>
-                    <a:p>
-                      <a:pPr marL="0" marR="0" lvl="0" indent="0" algn="ctr" rtl="0">
-                        <a:spcBef>
-                          <a:spcPts val="0"/>
-                        </a:spcBef>
-                        <a:buSzPct val="25000"/>
-                        <a:buNone/>
-                      </a:pPr>
-                      <a:r>
-                        <a:rPr lang="en-US" sz="1600" b="1" u="none" strike="noStrike"/>
-                        <a:t>C</a:t>
-                      </a:r>
-                    </a:p>
-                  </a:txBody>
-                  <a:tcPr marL="9525" marR="9525" marT="9525" marB="0" anchor="b">
-                    <a:solidFill>
-                      <a:srgbClr val="F2F2F2"/>
-                    </a:solidFill>
-                  </a:tcPr>
-                </a:tc>
-                <a:tc>
-                  <a:txBody>
-                    <a:bodyPr/>
-                    <a:lstStyle/>
-                    <a:p>
-                      <a:pPr marL="0" marR="0" lvl="0" indent="0" algn="ctr" rtl="0">
-                        <a:spcBef>
-                          <a:spcPts val="0"/>
-                        </a:spcBef>
-                        <a:buSzPct val="25000"/>
-                        <a:buNone/>
-                      </a:pPr>
-                      <a:r>
-                        <a:rPr lang="en-US" sz="1600" u="none" strike="noStrike"/>
-                        <a:t>261</a:t>
-                      </a:r>
-                    </a:p>
-                  </a:txBody>
-                  <a:tcPr marL="9525" marR="9525" marT="9525" marB="0" anchor="b">
-                    <a:solidFill>
-                      <a:srgbClr val="F2F2F2"/>
-                    </a:solidFill>
-                  </a:tcPr>
-                </a:tc>
-                <a:tc>
-                  <a:txBody>
-                    <a:bodyPr/>
-                    <a:lstStyle/>
-                    <a:p>
-                      <a:pPr marL="0" marR="0" lvl="0" indent="0" algn="ctr" rtl="0">
-                        <a:spcBef>
-                          <a:spcPts val="0"/>
-                        </a:spcBef>
-                        <a:buSzPct val="25000"/>
-                        <a:buNone/>
-                      </a:pPr>
-                      <a:r>
-                        <a:rPr lang="en-US" sz="1600" u="none" strike="noStrike"/>
-                        <a:t>226</a:t>
-                      </a:r>
-                    </a:p>
-                  </a:txBody>
-                  <a:tcPr marL="9525" marR="9525" marT="9525" marB="0" anchor="b">
-                    <a:solidFill>
-                      <a:srgbClr val="F2F2F2"/>
-                    </a:solidFill>
-                  </a:tcPr>
-                </a:tc>
-                <a:tc>
-                  <a:txBody>
-                    <a:bodyPr/>
-                    <a:lstStyle/>
-                    <a:p>
-                      <a:pPr marL="0" marR="0" lvl="0" indent="0" algn="ctr" rtl="0">
-                        <a:spcBef>
-                          <a:spcPts val="0"/>
-                        </a:spcBef>
-                        <a:buSzPct val="25000"/>
-                        <a:buNone/>
-                      </a:pPr>
-                      <a:r>
-                        <a:rPr lang="en-US" sz="1600" u="none" strike="noStrike">
-                          <a:solidFill>
-                            <a:srgbClr val="FFFF99"/>
-                          </a:solidFill>
-                        </a:rPr>
-                        <a:t>35</a:t>
-                      </a:r>
-                    </a:p>
-                  </a:txBody>
-                  <a:tcPr marL="9525" marR="9525" marT="9525" marB="0" anchor="b">
-                    <a:solidFill>
-                      <a:srgbClr val="366092"/>
-                    </a:solidFill>
-                  </a:tcPr>
+              <a:tr h="370840">
+                <a:tc>
+                  <a:txBody>
+                    <a:bodyPr/>
+                    <a:lstStyle/>
+                    <a:p>
+                      <a:pPr algn="ctr"/>
+                      <a:r>
+                        <a:rPr lang="en-US" sz="2400" dirty="0" smtClean="0"/>
+                        <a:t>14.6</a:t>
+                      </a:r>
+                      <a:endParaRPr lang="en-US" sz="2400" dirty="0"/>
+                    </a:p>
+                  </a:txBody>
+                  <a:tcPr/>
+                </a:tc>
+                <a:tc>
+                  <a:txBody>
+                    <a:bodyPr/>
+                    <a:lstStyle/>
+                    <a:p>
+                      <a:pPr algn="ctr"/>
+                      <a:r>
+                        <a:rPr lang="en-US" sz="2400" dirty="0" smtClean="0"/>
+                        <a:t>16.2</a:t>
+                      </a:r>
+                      <a:endParaRPr lang="en-US" sz="2400" dirty="0"/>
+                    </a:p>
+                  </a:txBody>
+                  <a:tcPr/>
                 </a:tc>
                 <a:extLst>
                   <a:ext uri="{0D108BD9-81ED-4DB2-BD59-A6C34878D82A}">
-                    <a16:rowId xmlns:a16="http://schemas.microsoft.com/office/drawing/2014/main" val="10003"/>
+                    <a16:rowId xmlns:a16="http://schemas.microsoft.com/office/drawing/2014/main" val="2727044177"/>
                   </a:ext>
                 </a:extLst>
               </a:tr>
-              <a:tr h="202125">
-                <a:tc>
-                  <a:txBody>
-                    <a:bodyPr/>
-                    <a:lstStyle/>
-                    <a:p>
-                      <a:pPr marL="0" marR="0" lvl="0" indent="0" algn="ctr" rtl="0">
-                        <a:spcBef>
-                          <a:spcPts val="0"/>
-                        </a:spcBef>
-                        <a:buSzPct val="25000"/>
-                        <a:buNone/>
-                      </a:pPr>
-                      <a:r>
-                        <a:rPr lang="en-US" sz="1600" b="1" u="none" strike="noStrike"/>
-                        <a:t>D</a:t>
-                      </a:r>
-                    </a:p>
-                  </a:txBody>
-                  <a:tcPr marL="9525" marR="9525" marT="9525" marB="0" anchor="b">
-                    <a:solidFill>
-                      <a:srgbClr val="F2F2F2"/>
-                    </a:solidFill>
-                  </a:tcPr>
-                </a:tc>
-                <a:tc>
-                  <a:txBody>
-                    <a:bodyPr/>
-                    <a:lstStyle/>
-                    <a:p>
-                      <a:pPr marL="0" marR="0" lvl="0" indent="0" algn="ctr" rtl="0">
-                        <a:spcBef>
-                          <a:spcPts val="0"/>
-                        </a:spcBef>
-                        <a:buSzPct val="25000"/>
-                        <a:buNone/>
-                      </a:pPr>
-                      <a:r>
-                        <a:rPr lang="en-US" sz="1600" u="none" strike="noStrike"/>
-                        <a:t>215</a:t>
-                      </a:r>
-                    </a:p>
-                  </a:txBody>
-                  <a:tcPr marL="9525" marR="9525" marT="9525" marB="0" anchor="b">
-                    <a:solidFill>
-                      <a:srgbClr val="F2F2F2"/>
-                    </a:solidFill>
-                  </a:tcPr>
-                </a:tc>
-                <a:tc>
-                  <a:txBody>
-                    <a:bodyPr/>
-                    <a:lstStyle/>
-                    <a:p>
-                      <a:pPr marL="0" marR="0" lvl="0" indent="0" algn="ctr" rtl="0">
-                        <a:spcBef>
-                          <a:spcPts val="0"/>
-                        </a:spcBef>
-                        <a:buSzPct val="25000"/>
-                        <a:buNone/>
-                      </a:pPr>
-                      <a:r>
-                        <a:rPr lang="en-US" sz="1600" u="none" strike="noStrike"/>
-                        <a:t>176</a:t>
-                      </a:r>
-                    </a:p>
-                  </a:txBody>
-                  <a:tcPr marL="9525" marR="9525" marT="9525" marB="0" anchor="b">
-                    <a:solidFill>
-                      <a:srgbClr val="F2F2F2"/>
-                    </a:solidFill>
-                  </a:tcPr>
-                </a:tc>
-                <a:tc>
-                  <a:txBody>
-                    <a:bodyPr/>
-                    <a:lstStyle/>
-                    <a:p>
-                      <a:pPr marL="0" marR="0" lvl="0" indent="0" algn="ctr" rtl="0">
-                        <a:spcBef>
-                          <a:spcPts val="0"/>
-                        </a:spcBef>
-                        <a:buSzPct val="25000"/>
-                        <a:buNone/>
-                      </a:pPr>
-                      <a:r>
-                        <a:rPr lang="en-US" sz="1600" u="none" strike="noStrike">
-                          <a:solidFill>
-                            <a:srgbClr val="FFFF99"/>
-                          </a:solidFill>
-                        </a:rPr>
-                        <a:t>39</a:t>
-                      </a:r>
-                    </a:p>
-                  </a:txBody>
-                  <a:tcPr marL="9525" marR="9525" marT="9525" marB="0" anchor="b">
-                    <a:solidFill>
-                      <a:srgbClr val="366092"/>
-                    </a:solidFill>
-                  </a:tcPr>
+              <a:tr h="370840">
+                <a:tc>
+                  <a:txBody>
+                    <a:bodyPr/>
+                    <a:lstStyle/>
+                    <a:p>
+                      <a:pPr algn="ctr"/>
+                      <a:r>
+                        <a:rPr lang="en-US" sz="2400" dirty="0" smtClean="0"/>
+                        <a:t>11.3</a:t>
+                      </a:r>
+                      <a:endParaRPr lang="en-US" sz="2400" dirty="0"/>
+                    </a:p>
+                  </a:txBody>
+                  <a:tcPr/>
+                </a:tc>
+                <a:tc>
+                  <a:txBody>
+                    <a:bodyPr/>
+                    <a:lstStyle/>
+                    <a:p>
+                      <a:pPr algn="ctr"/>
+                      <a:r>
+                        <a:rPr lang="en-US" sz="2400" dirty="0" smtClean="0"/>
+                        <a:t>12.5</a:t>
+                      </a:r>
+                      <a:endParaRPr lang="en-US" sz="2400" dirty="0"/>
+                    </a:p>
+                  </a:txBody>
+                  <a:tcPr/>
                 </a:tc>
                 <a:extLst>
                   <a:ext uri="{0D108BD9-81ED-4DB2-BD59-A6C34878D82A}">
-                    <a16:rowId xmlns:a16="http://schemas.microsoft.com/office/drawing/2014/main" val="10004"/>
+                    <a16:rowId xmlns:a16="http://schemas.microsoft.com/office/drawing/2014/main" val="3761220056"/>
                   </a:ext>
                 </a:extLst>
               </a:tr>
-              <a:tr h="202125">
-                <a:tc>
-                  <a:txBody>
-                    <a:bodyPr/>
-                    <a:lstStyle/>
-                    <a:p>
-                      <a:pPr marL="0" marR="0" lvl="0" indent="0" algn="ctr" rtl="0">
-                        <a:spcBef>
-                          <a:spcPts val="0"/>
-                        </a:spcBef>
-                        <a:buSzPct val="25000"/>
-                        <a:buNone/>
-                      </a:pPr>
-                      <a:r>
-                        <a:rPr lang="en-US" sz="1600" b="1" u="none" strike="noStrike"/>
-                        <a:t>E</a:t>
-                      </a:r>
-                    </a:p>
-                  </a:txBody>
-                  <a:tcPr marL="9525" marR="9525" marT="9525" marB="0" anchor="b">
-                    <a:solidFill>
-                      <a:srgbClr val="F2F2F2"/>
-                    </a:solidFill>
-                  </a:tcPr>
-                </a:tc>
-                <a:tc>
-                  <a:txBody>
-                    <a:bodyPr/>
-                    <a:lstStyle/>
-                    <a:p>
-                      <a:pPr marL="0" marR="0" lvl="0" indent="0" algn="ctr" rtl="0">
-                        <a:spcBef>
-                          <a:spcPts val="0"/>
-                        </a:spcBef>
-                        <a:buSzPct val="25000"/>
-                        <a:buNone/>
-                      </a:pPr>
-                      <a:r>
-                        <a:rPr lang="en-US" sz="1600" u="none" strike="noStrike"/>
-                        <a:t>209</a:t>
-                      </a:r>
-                    </a:p>
-                  </a:txBody>
-                  <a:tcPr marL="9525" marR="9525" marT="9525" marB="0" anchor="b">
-                    <a:solidFill>
-                      <a:srgbClr val="F2F2F2"/>
-                    </a:solidFill>
-                  </a:tcPr>
-                </a:tc>
-                <a:tc>
-                  <a:txBody>
-                    <a:bodyPr/>
-                    <a:lstStyle/>
-                    <a:p>
-                      <a:pPr marL="0" marR="0" lvl="0" indent="0" algn="ctr" rtl="0">
-                        <a:spcBef>
-                          <a:spcPts val="0"/>
-                        </a:spcBef>
-                        <a:buSzPct val="25000"/>
-                        <a:buNone/>
-                      </a:pPr>
-                      <a:r>
-                        <a:rPr lang="en-US" sz="1600" u="none" strike="noStrike"/>
-                        <a:t>215</a:t>
-                      </a:r>
-                    </a:p>
-                  </a:txBody>
-                  <a:tcPr marL="9525" marR="9525" marT="9525" marB="0" anchor="b">
-                    <a:solidFill>
-                      <a:srgbClr val="F2F2F2"/>
-                    </a:solidFill>
-                  </a:tcPr>
-                </a:tc>
-                <a:tc>
-                  <a:txBody>
-                    <a:bodyPr/>
-                    <a:lstStyle/>
-                    <a:p>
-                      <a:pPr marL="0" marR="0" lvl="0" indent="0" algn="ctr" rtl="0">
-                        <a:spcBef>
-                          <a:spcPts val="0"/>
-                        </a:spcBef>
-                        <a:buSzPct val="25000"/>
-                        <a:buNone/>
-                      </a:pPr>
-                      <a:r>
-                        <a:rPr lang="en-US" sz="1600" u="none" strike="noStrike">
-                          <a:solidFill>
-                            <a:srgbClr val="FFFF99"/>
-                          </a:solidFill>
-                        </a:rPr>
-                        <a:t>-6</a:t>
-                      </a:r>
-                    </a:p>
-                  </a:txBody>
-                  <a:tcPr marL="9525" marR="9525" marT="9525" marB="0" anchor="b">
-                    <a:solidFill>
-                      <a:srgbClr val="366092"/>
-                    </a:solidFill>
-                  </a:tcPr>
+              <a:tr h="370840">
+                <a:tc>
+                  <a:txBody>
+                    <a:bodyPr/>
+                    <a:lstStyle/>
+                    <a:p>
+                      <a:pPr algn="ctr"/>
+                      <a:r>
+                        <a:rPr lang="en-US" sz="2400" dirty="0" smtClean="0"/>
+                        <a:t>18.1</a:t>
+                      </a:r>
+                      <a:endParaRPr lang="en-US" sz="2400" dirty="0"/>
+                    </a:p>
+                  </a:txBody>
+                  <a:tcPr/>
+                </a:tc>
+                <a:tc>
+                  <a:txBody>
+                    <a:bodyPr/>
+                    <a:lstStyle/>
+                    <a:p>
+                      <a:pPr algn="ctr"/>
+                      <a:r>
+                        <a:rPr lang="en-US" sz="2400" dirty="0" smtClean="0"/>
+                        <a:t>10.8</a:t>
+                      </a:r>
+                      <a:endParaRPr lang="en-US" sz="2400" dirty="0"/>
+                    </a:p>
+                  </a:txBody>
+                  <a:tcPr/>
                 </a:tc>
                 <a:extLst>
                   <a:ext uri="{0D108BD9-81ED-4DB2-BD59-A6C34878D82A}">
-                    <a16:rowId xmlns:a16="http://schemas.microsoft.com/office/drawing/2014/main" val="10005"/>
+                    <a16:rowId xmlns:a16="http://schemas.microsoft.com/office/drawing/2014/main" val="1246923782"/>
                   </a:ext>
                 </a:extLst>
               </a:tr>
-              <a:tr h="202125">
-                <a:tc>
-                  <a:txBody>
-                    <a:bodyPr/>
-                    <a:lstStyle/>
-                    <a:p>
-                      <a:pPr marL="0" marR="0" lvl="0" indent="0" algn="ctr" rtl="0">
-                        <a:spcBef>
-                          <a:spcPts val="0"/>
-                        </a:spcBef>
-                        <a:buSzPct val="25000"/>
-                        <a:buNone/>
-                      </a:pPr>
-                      <a:r>
-                        <a:rPr lang="en-US" sz="1600" b="1" u="none" strike="noStrike"/>
-                        <a:t>F</a:t>
-                      </a:r>
-                    </a:p>
-                  </a:txBody>
-                  <a:tcPr marL="9525" marR="9525" marT="9525" marB="0" anchor="b">
-                    <a:solidFill>
-                      <a:srgbClr val="F2F2F2"/>
-                    </a:solidFill>
-                  </a:tcPr>
-                </a:tc>
-                <a:tc>
-                  <a:txBody>
-                    <a:bodyPr/>
-                    <a:lstStyle/>
-                    <a:p>
-                      <a:pPr marL="0" marR="0" lvl="0" indent="0" algn="ctr" rtl="0">
-                        <a:spcBef>
-                          <a:spcPts val="0"/>
-                        </a:spcBef>
-                        <a:buSzPct val="25000"/>
-                        <a:buNone/>
-                      </a:pPr>
-                      <a:r>
-                        <a:rPr lang="en-US" sz="1600" u="none" strike="noStrike"/>
-                        <a:t>336</a:t>
-                      </a:r>
-                    </a:p>
-                  </a:txBody>
-                  <a:tcPr marL="9525" marR="9525" marT="9525" marB="0" anchor="b">
-                    <a:solidFill>
-                      <a:srgbClr val="F2F2F2"/>
-                    </a:solidFill>
-                  </a:tcPr>
-                </a:tc>
-                <a:tc>
-                  <a:txBody>
-                    <a:bodyPr/>
-                    <a:lstStyle/>
-                    <a:p>
-                      <a:pPr marL="0" marR="0" lvl="0" indent="0" algn="ctr" rtl="0">
-                        <a:spcBef>
-                          <a:spcPts val="0"/>
-                        </a:spcBef>
-                        <a:buSzPct val="25000"/>
-                        <a:buNone/>
-                      </a:pPr>
-                      <a:r>
-                        <a:rPr lang="en-US" sz="1600" u="none" strike="noStrike"/>
-                        <a:t>327</a:t>
-                      </a:r>
-                    </a:p>
-                  </a:txBody>
-                  <a:tcPr marL="9525" marR="9525" marT="9525" marB="0" anchor="b">
-                    <a:solidFill>
-                      <a:srgbClr val="F2F2F2"/>
-                    </a:solidFill>
-                  </a:tcPr>
-                </a:tc>
-                <a:tc>
-                  <a:txBody>
-                    <a:bodyPr/>
-                    <a:lstStyle/>
-                    <a:p>
-                      <a:pPr marL="0" marR="0" lvl="0" indent="0" algn="ctr" rtl="0">
-                        <a:spcBef>
-                          <a:spcPts val="0"/>
-                        </a:spcBef>
-                        <a:buSzPct val="25000"/>
-                        <a:buNone/>
-                      </a:pPr>
-                      <a:r>
-                        <a:rPr lang="en-US" sz="1600" u="none" strike="noStrike">
-                          <a:solidFill>
-                            <a:srgbClr val="FFFF99"/>
-                          </a:solidFill>
-                        </a:rPr>
-                        <a:t>9</a:t>
-                      </a:r>
-                    </a:p>
-                  </a:txBody>
-                  <a:tcPr marL="9525" marR="9525" marT="9525" marB="0" anchor="b">
-                    <a:solidFill>
-                      <a:srgbClr val="366092"/>
-                    </a:solidFill>
-                  </a:tcPr>
+              <a:tr h="370840">
+                <a:tc>
+                  <a:txBody>
+                    <a:bodyPr/>
+                    <a:lstStyle/>
+                    <a:p>
+                      <a:pPr algn="ctr"/>
+                      <a:r>
+                        <a:rPr lang="en-US" sz="2400" dirty="0" smtClean="0"/>
+                        <a:t>15.2</a:t>
+                      </a:r>
+                      <a:endParaRPr lang="en-US" sz="2400" dirty="0"/>
+                    </a:p>
+                  </a:txBody>
+                  <a:tcPr/>
+                </a:tc>
+                <a:tc>
+                  <a:txBody>
+                    <a:bodyPr/>
+                    <a:lstStyle/>
+                    <a:p>
+                      <a:pPr algn="ctr"/>
+                      <a:r>
+                        <a:rPr lang="en-US" sz="2400" dirty="0" smtClean="0"/>
+                        <a:t>16.7</a:t>
+                      </a:r>
+                      <a:endParaRPr lang="en-US" sz="2400" dirty="0"/>
+                    </a:p>
+                  </a:txBody>
+                  <a:tcPr/>
                 </a:tc>
                 <a:extLst>
                   <a:ext uri="{0D108BD9-81ED-4DB2-BD59-A6C34878D82A}">
-                    <a16:rowId xmlns:a16="http://schemas.microsoft.com/office/drawing/2014/main" val="10006"/>
+                    <a16:rowId xmlns:a16="http://schemas.microsoft.com/office/drawing/2014/main" val="1530026267"/>
                   </a:ext>
                 </a:extLst>
               </a:tr>
-              <a:tr h="202125">
-                <a:tc>
-                  <a:txBody>
-                    <a:bodyPr/>
-                    <a:lstStyle/>
-                    <a:p>
-                      <a:pPr marL="0" marR="0" lvl="0" indent="0" algn="ctr" rtl="0">
-                        <a:spcBef>
-                          <a:spcPts val="0"/>
-                        </a:spcBef>
-                        <a:buSzPct val="25000"/>
-                        <a:buNone/>
-                      </a:pPr>
-                      <a:r>
-                        <a:rPr lang="en-US" sz="1600" b="1" u="none" strike="noStrike"/>
-                        <a:t>G</a:t>
-                      </a:r>
-                    </a:p>
-                  </a:txBody>
-                  <a:tcPr marL="9525" marR="9525" marT="9525" marB="0" anchor="b">
-                    <a:solidFill>
-                      <a:srgbClr val="F2F2F2"/>
-                    </a:solidFill>
-                  </a:tcPr>
-                </a:tc>
-                <a:tc>
-                  <a:txBody>
-                    <a:bodyPr/>
-                    <a:lstStyle/>
-                    <a:p>
-                      <a:pPr marL="0" marR="0" lvl="0" indent="0" algn="ctr" rtl="0">
-                        <a:spcBef>
-                          <a:spcPts val="0"/>
-                        </a:spcBef>
-                        <a:buSzPct val="25000"/>
-                        <a:buNone/>
-                      </a:pPr>
-                      <a:r>
-                        <a:rPr lang="en-US" sz="1600" u="none" strike="noStrike"/>
-                        <a:t>393</a:t>
-                      </a:r>
-                    </a:p>
-                  </a:txBody>
-                  <a:tcPr marL="9525" marR="9525" marT="9525" marB="0" anchor="b">
-                    <a:solidFill>
-                      <a:srgbClr val="F2F2F2"/>
-                    </a:solidFill>
-                  </a:tcPr>
-                </a:tc>
-                <a:tc>
-                  <a:txBody>
-                    <a:bodyPr/>
-                    <a:lstStyle/>
-                    <a:p>
-                      <a:pPr marL="0" marR="0" lvl="0" indent="0" algn="ctr" rtl="0">
-                        <a:spcBef>
-                          <a:spcPts val="0"/>
-                        </a:spcBef>
-                        <a:buSzPct val="25000"/>
-                        <a:buNone/>
-                      </a:pPr>
-                      <a:r>
-                        <a:rPr lang="en-US" sz="1600" u="none" strike="noStrike"/>
-                        <a:t>335</a:t>
-                      </a:r>
-                    </a:p>
-                  </a:txBody>
-                  <a:tcPr marL="9525" marR="9525" marT="9525" marB="0" anchor="b">
-                    <a:solidFill>
-                      <a:srgbClr val="F2F2F2"/>
-                    </a:solidFill>
-                  </a:tcPr>
-                </a:tc>
-                <a:tc>
-                  <a:txBody>
-                    <a:bodyPr/>
-                    <a:lstStyle/>
-                    <a:p>
-                      <a:pPr marL="0" marR="0" lvl="0" indent="0" algn="ctr" rtl="0">
-                        <a:spcBef>
-                          <a:spcPts val="0"/>
-                        </a:spcBef>
-                        <a:buSzPct val="25000"/>
-                        <a:buNone/>
-                      </a:pPr>
-                      <a:r>
-                        <a:rPr lang="en-US" sz="1600" u="none" strike="noStrike">
-                          <a:solidFill>
-                            <a:srgbClr val="FFFF99"/>
-                          </a:solidFill>
-                        </a:rPr>
-                        <a:t>58</a:t>
-                      </a:r>
-                    </a:p>
-                  </a:txBody>
-                  <a:tcPr marL="9525" marR="9525" marT="9525" marB="0" anchor="b">
-                    <a:solidFill>
-                      <a:srgbClr val="366092"/>
-                    </a:solidFill>
-                  </a:tcPr>
+              <a:tr h="370840">
+                <a:tc>
+                  <a:txBody>
+                    <a:bodyPr/>
+                    <a:lstStyle/>
+                    <a:p>
+                      <a:pPr algn="ctr"/>
+                      <a:r>
+                        <a:rPr lang="en-US" sz="2400" dirty="0" smtClean="0"/>
+                        <a:t>13.9</a:t>
+                      </a:r>
+                      <a:endParaRPr lang="en-US" sz="2400" dirty="0"/>
+                    </a:p>
+                  </a:txBody>
+                  <a:tcPr/>
+                </a:tc>
+                <a:tc>
+                  <a:txBody>
+                    <a:bodyPr/>
+                    <a:lstStyle/>
+                    <a:p>
+                      <a:pPr algn="ctr"/>
+                      <a:r>
+                        <a:rPr lang="en-US" sz="2400" dirty="0" smtClean="0"/>
+                        <a:t>12.7</a:t>
+                      </a:r>
+                      <a:endParaRPr lang="en-US" sz="2400" dirty="0"/>
+                    </a:p>
+                  </a:txBody>
+                  <a:tcPr/>
                 </a:tc>
                 <a:extLst>
                   <a:ext uri="{0D108BD9-81ED-4DB2-BD59-A6C34878D82A}">
-                    <a16:rowId xmlns:a16="http://schemas.microsoft.com/office/drawing/2014/main" val="10007"/>
-                  </a:ext>
-                </a:extLst>
-              </a:tr>
-              <a:tr h="202125">
-                <a:tc>
-                  <a:txBody>
-                    <a:bodyPr/>
-                    <a:lstStyle/>
-                    <a:p>
-                      <a:pPr marL="0" marR="0" lvl="0" indent="0" algn="ctr" rtl="0">
-                        <a:spcBef>
-                          <a:spcPts val="0"/>
-                        </a:spcBef>
-                        <a:buSzPct val="25000"/>
-                        <a:buNone/>
-                      </a:pPr>
-                      <a:r>
-                        <a:rPr lang="en-US" sz="1600" b="1" u="none" strike="noStrike"/>
-                        <a:t>H</a:t>
-                      </a:r>
-                    </a:p>
-                  </a:txBody>
-                  <a:tcPr marL="9525" marR="9525" marT="9525" marB="0" anchor="b">
-                    <a:solidFill>
-                      <a:srgbClr val="F2F2F2"/>
-                    </a:solidFill>
-                  </a:tcPr>
-                </a:tc>
-                <a:tc>
-                  <a:txBody>
-                    <a:bodyPr/>
-                    <a:lstStyle/>
-                    <a:p>
-                      <a:pPr marL="0" marR="0" lvl="0" indent="0" algn="ctr" rtl="0">
-                        <a:spcBef>
-                          <a:spcPts val="0"/>
-                        </a:spcBef>
-                        <a:buSzPct val="25000"/>
-                        <a:buNone/>
-                      </a:pPr>
-                      <a:r>
-                        <a:rPr lang="en-US" sz="1600" u="none" strike="noStrike"/>
-                        <a:t>141</a:t>
-                      </a:r>
-                    </a:p>
-                  </a:txBody>
-                  <a:tcPr marL="9525" marR="9525" marT="9525" marB="0" anchor="b">
-                    <a:solidFill>
-                      <a:srgbClr val="F2F2F2"/>
-                    </a:solidFill>
-                  </a:tcPr>
-                </a:tc>
-                <a:tc>
-                  <a:txBody>
-                    <a:bodyPr/>
-                    <a:lstStyle/>
-                    <a:p>
-                      <a:pPr marL="0" marR="0" lvl="0" indent="0" algn="ctr" rtl="0">
-                        <a:spcBef>
-                          <a:spcPts val="0"/>
-                        </a:spcBef>
-                        <a:buSzPct val="25000"/>
-                        <a:buNone/>
-                      </a:pPr>
-                      <a:r>
-                        <a:rPr lang="en-US" sz="1600" u="none" strike="noStrike"/>
-                        <a:t>155</a:t>
-                      </a:r>
-                    </a:p>
-                  </a:txBody>
-                  <a:tcPr marL="9525" marR="9525" marT="9525" marB="0" anchor="b">
-                    <a:solidFill>
-                      <a:srgbClr val="F2F2F2"/>
-                    </a:solidFill>
-                  </a:tcPr>
-                </a:tc>
-                <a:tc>
-                  <a:txBody>
-                    <a:bodyPr/>
-                    <a:lstStyle/>
-                    <a:p>
-                      <a:pPr marL="0" marR="0" lvl="0" indent="0" algn="ctr" rtl="0">
-                        <a:spcBef>
-                          <a:spcPts val="0"/>
-                        </a:spcBef>
-                        <a:buSzPct val="25000"/>
-                        <a:buNone/>
-                      </a:pPr>
-                      <a:r>
-                        <a:rPr lang="en-US" sz="1600" u="none" strike="noStrike">
-                          <a:solidFill>
-                            <a:srgbClr val="FFFF99"/>
-                          </a:solidFill>
-                        </a:rPr>
-                        <a:t>-14</a:t>
-                      </a:r>
-                    </a:p>
-                  </a:txBody>
-                  <a:tcPr marL="9525" marR="9525" marT="9525" marB="0" anchor="b">
-                    <a:solidFill>
-                      <a:srgbClr val="366092"/>
-                    </a:solidFill>
-                  </a:tcPr>
-                </a:tc>
-                <a:extLst>
-                  <a:ext uri="{0D108BD9-81ED-4DB2-BD59-A6C34878D82A}">
-                    <a16:rowId xmlns:a16="http://schemas.microsoft.com/office/drawing/2014/main" val="10008"/>
-                  </a:ext>
-                </a:extLst>
-              </a:tr>
-              <a:tr h="202125">
-                <a:tc>
-                  <a:txBody>
-                    <a:bodyPr/>
-                    <a:lstStyle/>
-                    <a:p>
-                      <a:pPr marL="0" marR="0" lvl="0" indent="0" algn="ctr" rtl="0">
-                        <a:spcBef>
-                          <a:spcPts val="0"/>
-                        </a:spcBef>
-                        <a:buSzPct val="25000"/>
-                        <a:buNone/>
-                      </a:pPr>
-                      <a:r>
-                        <a:rPr lang="en-US" sz="1600" b="1" u="none" strike="noStrike"/>
-                        <a:t>I</a:t>
-                      </a:r>
-                    </a:p>
-                  </a:txBody>
-                  <a:tcPr marL="9525" marR="9525" marT="9525" marB="0" anchor="b">
-                    <a:solidFill>
-                      <a:srgbClr val="F2F2F2"/>
-                    </a:solidFill>
-                  </a:tcPr>
-                </a:tc>
-                <a:tc>
-                  <a:txBody>
-                    <a:bodyPr/>
-                    <a:lstStyle/>
-                    <a:p>
-                      <a:pPr marL="0" marR="0" lvl="0" indent="0" algn="ctr" rtl="0">
-                        <a:spcBef>
-                          <a:spcPts val="0"/>
-                        </a:spcBef>
-                        <a:buSzPct val="25000"/>
-                        <a:buNone/>
-                      </a:pPr>
-                      <a:r>
-                        <a:rPr lang="en-US" sz="1600" u="none" strike="noStrike"/>
-                        <a:t>185</a:t>
-                      </a:r>
-                    </a:p>
-                  </a:txBody>
-                  <a:tcPr marL="9525" marR="9525" marT="9525" marB="0" anchor="b">
-                    <a:solidFill>
-                      <a:srgbClr val="F2F2F2"/>
-                    </a:solidFill>
-                  </a:tcPr>
-                </a:tc>
-                <a:tc>
-                  <a:txBody>
-                    <a:bodyPr/>
-                    <a:lstStyle/>
-                    <a:p>
-                      <a:pPr marL="0" marR="0" lvl="0" indent="0" algn="ctr" rtl="0">
-                        <a:spcBef>
-                          <a:spcPts val="0"/>
-                        </a:spcBef>
-                        <a:buSzPct val="25000"/>
-                        <a:buNone/>
-                      </a:pPr>
-                      <a:r>
-                        <a:rPr lang="en-US" sz="1600" u="none" strike="noStrike"/>
-                        <a:t>128</a:t>
-                      </a:r>
-                    </a:p>
-                  </a:txBody>
-                  <a:tcPr marL="9525" marR="9525" marT="9525" marB="0" anchor="b">
-                    <a:solidFill>
-                      <a:srgbClr val="F2F2F2"/>
-                    </a:solidFill>
-                  </a:tcPr>
-                </a:tc>
-                <a:tc>
-                  <a:txBody>
-                    <a:bodyPr/>
-                    <a:lstStyle/>
-                    <a:p>
-                      <a:pPr marL="0" marR="0" lvl="0" indent="0" algn="ctr" rtl="0">
-                        <a:spcBef>
-                          <a:spcPts val="0"/>
-                        </a:spcBef>
-                        <a:buSzPct val="25000"/>
-                        <a:buNone/>
-                      </a:pPr>
-                      <a:r>
-                        <a:rPr lang="en-US" sz="1600" u="none" strike="noStrike">
-                          <a:solidFill>
-                            <a:srgbClr val="FFFF99"/>
-                          </a:solidFill>
-                        </a:rPr>
-                        <a:t>57</a:t>
-                      </a:r>
-                    </a:p>
-                  </a:txBody>
-                  <a:tcPr marL="9525" marR="9525" marT="9525" marB="0" anchor="b">
-                    <a:solidFill>
-                      <a:srgbClr val="366092"/>
-                    </a:solidFill>
-                  </a:tcPr>
-                </a:tc>
-                <a:extLst>
-                  <a:ext uri="{0D108BD9-81ED-4DB2-BD59-A6C34878D82A}">
-                    <a16:rowId xmlns:a16="http://schemas.microsoft.com/office/drawing/2014/main" val="10009"/>
-                  </a:ext>
-                </a:extLst>
-              </a:tr>
-              <a:tr h="202125">
-                <a:tc>
-                  <a:txBody>
-                    <a:bodyPr/>
-                    <a:lstStyle/>
-                    <a:p>
-                      <a:pPr marL="0" marR="0" lvl="0" indent="0" algn="ctr" rtl="0">
-                        <a:spcBef>
-                          <a:spcPts val="0"/>
-                        </a:spcBef>
-                        <a:buSzPct val="25000"/>
-                        <a:buNone/>
-                      </a:pPr>
-                      <a:r>
-                        <a:rPr lang="en-US" sz="1600" b="1" u="none" strike="noStrike"/>
-                        <a:t>J</a:t>
-                      </a:r>
-                    </a:p>
-                  </a:txBody>
-                  <a:tcPr marL="9525" marR="9525" marT="9525" marB="0" anchor="b">
-                    <a:solidFill>
-                      <a:srgbClr val="F2F2F2"/>
-                    </a:solidFill>
-                  </a:tcPr>
-                </a:tc>
-                <a:tc>
-                  <a:txBody>
-                    <a:bodyPr/>
-                    <a:lstStyle/>
-                    <a:p>
-                      <a:pPr marL="0" marR="0" lvl="0" indent="0" algn="ctr" rtl="0">
-                        <a:spcBef>
-                          <a:spcPts val="0"/>
-                        </a:spcBef>
-                        <a:buSzPct val="25000"/>
-                        <a:buNone/>
-                      </a:pPr>
-                      <a:r>
-                        <a:rPr lang="en-US" sz="1600" u="none" strike="noStrike"/>
-                        <a:t>242</a:t>
-                      </a:r>
-                    </a:p>
-                  </a:txBody>
-                  <a:tcPr marL="9525" marR="9525" marT="9525" marB="0" anchor="b">
-                    <a:solidFill>
-                      <a:srgbClr val="F2F2F2"/>
-                    </a:solidFill>
-                  </a:tcPr>
-                </a:tc>
-                <a:tc>
-                  <a:txBody>
-                    <a:bodyPr/>
-                    <a:lstStyle/>
-                    <a:p>
-                      <a:pPr marL="0" marR="0" lvl="0" indent="0" algn="ctr" rtl="0">
-                        <a:spcBef>
-                          <a:spcPts val="0"/>
-                        </a:spcBef>
-                        <a:buSzPct val="25000"/>
-                        <a:buNone/>
-                      </a:pPr>
-                      <a:r>
-                        <a:rPr lang="en-US" sz="1600" u="none" strike="noStrike"/>
-                        <a:t>244</a:t>
-                      </a:r>
-                    </a:p>
-                  </a:txBody>
-                  <a:tcPr marL="9525" marR="9525" marT="9525" marB="0" anchor="b">
-                    <a:solidFill>
-                      <a:srgbClr val="F2F2F2"/>
-                    </a:solidFill>
-                  </a:tcPr>
-                </a:tc>
-                <a:tc>
-                  <a:txBody>
-                    <a:bodyPr/>
-                    <a:lstStyle/>
-                    <a:p>
-                      <a:pPr marL="0" marR="0" lvl="0" indent="0" algn="ctr" rtl="0">
-                        <a:spcBef>
-                          <a:spcPts val="0"/>
-                        </a:spcBef>
-                        <a:buSzPct val="25000"/>
-                        <a:buNone/>
-                      </a:pPr>
-                      <a:r>
-                        <a:rPr lang="en-US" sz="1600" u="none" strike="noStrike">
-                          <a:solidFill>
-                            <a:srgbClr val="FFFF99"/>
-                          </a:solidFill>
-                        </a:rPr>
-                        <a:t>-2</a:t>
-                      </a:r>
-                    </a:p>
-                  </a:txBody>
-                  <a:tcPr marL="9525" marR="9525" marT="9525" marB="0" anchor="b">
-                    <a:solidFill>
-                      <a:srgbClr val="366092"/>
-                    </a:solidFill>
-                  </a:tcPr>
-                </a:tc>
-                <a:extLst>
-                  <a:ext uri="{0D108BD9-81ED-4DB2-BD59-A6C34878D82A}">
-                    <a16:rowId xmlns:a16="http://schemas.microsoft.com/office/drawing/2014/main" val="10010"/>
-                  </a:ext>
-                </a:extLst>
-              </a:tr>
-              <a:tr h="202125">
-                <a:tc>
-                  <a:txBody>
-                    <a:bodyPr/>
-                    <a:lstStyle/>
-                    <a:p>
-                      <a:pPr marL="0" marR="0" lvl="0" indent="0" algn="ctr" rtl="0">
-                        <a:spcBef>
-                          <a:spcPts val="0"/>
-                        </a:spcBef>
-                        <a:buSzPct val="25000"/>
-                        <a:buNone/>
-                      </a:pPr>
-                      <a:r>
-                        <a:rPr lang="en-US" sz="1600" b="1" u="none" strike="noStrike"/>
-                        <a:t>K</a:t>
-                      </a:r>
-                    </a:p>
-                  </a:txBody>
-                  <a:tcPr marL="9525" marR="9525" marT="9525" marB="0" anchor="b">
-                    <a:solidFill>
-                      <a:srgbClr val="F2F2F2"/>
-                    </a:solidFill>
-                  </a:tcPr>
-                </a:tc>
-                <a:tc>
-                  <a:txBody>
-                    <a:bodyPr/>
-                    <a:lstStyle/>
-                    <a:p>
-                      <a:pPr marL="0" marR="0" lvl="0" indent="0" algn="ctr" rtl="0">
-                        <a:spcBef>
-                          <a:spcPts val="0"/>
-                        </a:spcBef>
-                        <a:buSzPct val="25000"/>
-                        <a:buNone/>
-                      </a:pPr>
-                      <a:r>
-                        <a:rPr lang="en-US" sz="1600" u="none" strike="noStrike"/>
-                        <a:t>122</a:t>
-                      </a:r>
-                    </a:p>
-                  </a:txBody>
-                  <a:tcPr marL="9525" marR="9525" marT="9525" marB="0" anchor="b">
-                    <a:solidFill>
-                      <a:srgbClr val="F2F2F2"/>
-                    </a:solidFill>
-                  </a:tcPr>
-                </a:tc>
-                <a:tc>
-                  <a:txBody>
-                    <a:bodyPr/>
-                    <a:lstStyle/>
-                    <a:p>
-                      <a:pPr marL="0" marR="0" lvl="0" indent="0" algn="ctr" rtl="0">
-                        <a:spcBef>
-                          <a:spcPts val="0"/>
-                        </a:spcBef>
-                        <a:buSzPct val="25000"/>
-                        <a:buNone/>
-                      </a:pPr>
-                      <a:r>
-                        <a:rPr lang="en-US" sz="1600" u="none" strike="noStrike"/>
-                        <a:t>129</a:t>
-                      </a:r>
-                    </a:p>
-                  </a:txBody>
-                  <a:tcPr marL="9525" marR="9525" marT="9525" marB="0" anchor="b">
-                    <a:solidFill>
-                      <a:srgbClr val="F2F2F2"/>
-                    </a:solidFill>
-                  </a:tcPr>
-                </a:tc>
-                <a:tc>
-                  <a:txBody>
-                    <a:bodyPr/>
-                    <a:lstStyle/>
-                    <a:p>
-                      <a:pPr marL="0" marR="0" lvl="0" indent="0" algn="ctr" rtl="0">
-                        <a:spcBef>
-                          <a:spcPts val="0"/>
-                        </a:spcBef>
-                        <a:buSzPct val="25000"/>
-                        <a:buNone/>
-                      </a:pPr>
-                      <a:r>
-                        <a:rPr lang="en-US" sz="1600" u="none" strike="noStrike">
-                          <a:solidFill>
-                            <a:srgbClr val="FFFF99"/>
-                          </a:solidFill>
-                        </a:rPr>
-                        <a:t>-7</a:t>
-                      </a:r>
-                    </a:p>
-                  </a:txBody>
-                  <a:tcPr marL="9525" marR="9525" marT="9525" marB="0" anchor="b">
-                    <a:solidFill>
-                      <a:srgbClr val="366092"/>
-                    </a:solidFill>
-                  </a:tcPr>
-                </a:tc>
-                <a:extLst>
-                  <a:ext uri="{0D108BD9-81ED-4DB2-BD59-A6C34878D82A}">
-                    <a16:rowId xmlns:a16="http://schemas.microsoft.com/office/drawing/2014/main" val="10011"/>
-                  </a:ext>
-                </a:extLst>
-              </a:tr>
-              <a:tr h="202125">
-                <a:tc>
-                  <a:txBody>
-                    <a:bodyPr/>
-                    <a:lstStyle/>
-                    <a:p>
-                      <a:pPr marL="0" marR="0" lvl="0" indent="0" algn="ctr" rtl="0">
-                        <a:spcBef>
-                          <a:spcPts val="0"/>
-                        </a:spcBef>
-                        <a:buSzPct val="25000"/>
-                        <a:buNone/>
-                      </a:pPr>
-                      <a:r>
-                        <a:rPr lang="en-US" sz="1600" b="1" u="none" strike="noStrike"/>
-                        <a:t>L</a:t>
-                      </a:r>
-                    </a:p>
-                  </a:txBody>
-                  <a:tcPr marL="9525" marR="9525" marT="9525" marB="0" anchor="b">
-                    <a:solidFill>
-                      <a:srgbClr val="F2F2F2"/>
-                    </a:solidFill>
-                  </a:tcPr>
-                </a:tc>
-                <a:tc>
-                  <a:txBody>
-                    <a:bodyPr/>
-                    <a:lstStyle/>
-                    <a:p>
-                      <a:pPr marL="0" marR="0" lvl="0" indent="0" algn="ctr" rtl="0">
-                        <a:spcBef>
-                          <a:spcPts val="0"/>
-                        </a:spcBef>
-                        <a:buSzPct val="25000"/>
-                        <a:buNone/>
-                      </a:pPr>
-                      <a:r>
-                        <a:rPr lang="en-US" sz="1600" u="none" strike="noStrike"/>
-                        <a:t>195</a:t>
-                      </a:r>
-                    </a:p>
-                  </a:txBody>
-                  <a:tcPr marL="9525" marR="9525" marT="9525" marB="0" anchor="b">
-                    <a:solidFill>
-                      <a:srgbClr val="F2F2F2"/>
-                    </a:solidFill>
-                  </a:tcPr>
-                </a:tc>
-                <a:tc>
-                  <a:txBody>
-                    <a:bodyPr/>
-                    <a:lstStyle/>
-                    <a:p>
-                      <a:pPr marL="0" marR="0" lvl="0" indent="0" algn="ctr" rtl="0">
-                        <a:spcBef>
-                          <a:spcPts val="0"/>
-                        </a:spcBef>
-                        <a:buSzPct val="25000"/>
-                        <a:buNone/>
-                      </a:pPr>
-                      <a:r>
-                        <a:rPr lang="en-US" sz="1600" u="none" strike="noStrike"/>
-                        <a:t>175</a:t>
-                      </a:r>
-                    </a:p>
-                  </a:txBody>
-                  <a:tcPr marL="9525" marR="9525" marT="9525" marB="0" anchor="b">
-                    <a:solidFill>
-                      <a:srgbClr val="F2F2F2"/>
-                    </a:solidFill>
-                  </a:tcPr>
-                </a:tc>
-                <a:tc>
-                  <a:txBody>
-                    <a:bodyPr/>
-                    <a:lstStyle/>
-                    <a:p>
-                      <a:pPr marL="0" marR="0" lvl="0" indent="0" algn="ctr" rtl="0">
-                        <a:spcBef>
-                          <a:spcPts val="0"/>
-                        </a:spcBef>
-                        <a:buSzPct val="25000"/>
-                        <a:buNone/>
-                      </a:pPr>
-                      <a:r>
-                        <a:rPr lang="en-US" sz="1600" u="none" strike="noStrike">
-                          <a:solidFill>
-                            <a:srgbClr val="FFFF99"/>
-                          </a:solidFill>
-                        </a:rPr>
-                        <a:t>20</a:t>
-                      </a:r>
-                    </a:p>
-                  </a:txBody>
-                  <a:tcPr marL="9525" marR="9525" marT="9525" marB="0" anchor="b">
-                    <a:solidFill>
-                      <a:srgbClr val="366092"/>
-                    </a:solidFill>
-                  </a:tcPr>
-                </a:tc>
-                <a:extLst>
-                  <a:ext uri="{0D108BD9-81ED-4DB2-BD59-A6C34878D82A}">
-                    <a16:rowId xmlns:a16="http://schemas.microsoft.com/office/drawing/2014/main" val="10012"/>
-                  </a:ext>
-                </a:extLst>
-              </a:tr>
-              <a:tr h="202125">
-                <a:tc>
-                  <a:txBody>
-                    <a:bodyPr/>
-                    <a:lstStyle/>
-                    <a:p>
-                      <a:pPr marL="0" marR="0" lvl="0" indent="0" algn="ctr" rtl="0">
-                        <a:spcBef>
-                          <a:spcPts val="0"/>
-                        </a:spcBef>
-                        <a:buSzPct val="25000"/>
-                        <a:buNone/>
-                      </a:pPr>
-                      <a:r>
-                        <a:rPr lang="en-US" sz="1600" b="1" u="none" strike="noStrike"/>
-                        <a:t>M</a:t>
-                      </a:r>
-                    </a:p>
-                  </a:txBody>
-                  <a:tcPr marL="9525" marR="9525" marT="9525" marB="0" anchor="b">
-                    <a:solidFill>
-                      <a:srgbClr val="F2F2F2"/>
-                    </a:solidFill>
-                  </a:tcPr>
-                </a:tc>
-                <a:tc>
-                  <a:txBody>
-                    <a:bodyPr/>
-                    <a:lstStyle/>
-                    <a:p>
-                      <a:pPr marL="0" marR="0" lvl="0" indent="0" algn="ctr" rtl="0">
-                        <a:spcBef>
-                          <a:spcPts val="0"/>
-                        </a:spcBef>
-                        <a:buSzPct val="25000"/>
-                        <a:buNone/>
-                      </a:pPr>
-                      <a:r>
-                        <a:rPr lang="en-US" sz="1600" u="none" strike="noStrike"/>
-                        <a:t>421</a:t>
-                      </a:r>
-                    </a:p>
-                  </a:txBody>
-                  <a:tcPr marL="9525" marR="9525" marT="9525" marB="0" anchor="b">
-                    <a:solidFill>
-                      <a:srgbClr val="F2F2F2"/>
-                    </a:solidFill>
-                  </a:tcPr>
-                </a:tc>
-                <a:tc>
-                  <a:txBody>
-                    <a:bodyPr/>
-                    <a:lstStyle/>
-                    <a:p>
-                      <a:pPr marL="0" marR="0" lvl="0" indent="0" algn="ctr" rtl="0">
-                        <a:spcBef>
-                          <a:spcPts val="0"/>
-                        </a:spcBef>
-                        <a:buSzPct val="25000"/>
-                        <a:buNone/>
-                      </a:pPr>
-                      <a:r>
-                        <a:rPr lang="en-US" sz="1600" u="none" strike="noStrike"/>
-                        <a:t>379</a:t>
-                      </a:r>
-                    </a:p>
-                  </a:txBody>
-                  <a:tcPr marL="9525" marR="9525" marT="9525" marB="0" anchor="b">
-                    <a:solidFill>
-                      <a:srgbClr val="F2F2F2"/>
-                    </a:solidFill>
-                  </a:tcPr>
-                </a:tc>
-                <a:tc>
-                  <a:txBody>
-                    <a:bodyPr/>
-                    <a:lstStyle/>
-                    <a:p>
-                      <a:pPr marL="0" marR="0" lvl="0" indent="0" algn="ctr" rtl="0">
-                        <a:spcBef>
-                          <a:spcPts val="0"/>
-                        </a:spcBef>
-                        <a:buSzPct val="25000"/>
-                        <a:buNone/>
-                      </a:pPr>
-                      <a:r>
-                        <a:rPr lang="en-US" sz="1600" u="none" strike="noStrike">
-                          <a:solidFill>
-                            <a:srgbClr val="FFFF99"/>
-                          </a:solidFill>
-                        </a:rPr>
-                        <a:t>42</a:t>
-                      </a:r>
-                    </a:p>
-                  </a:txBody>
-                  <a:tcPr marL="9525" marR="9525" marT="9525" marB="0" anchor="b">
-                    <a:solidFill>
-                      <a:srgbClr val="366092"/>
-                    </a:solidFill>
-                  </a:tcPr>
-                </a:tc>
-                <a:extLst>
-                  <a:ext uri="{0D108BD9-81ED-4DB2-BD59-A6C34878D82A}">
-                    <a16:rowId xmlns:a16="http://schemas.microsoft.com/office/drawing/2014/main" val="10013"/>
-                  </a:ext>
-                </a:extLst>
-              </a:tr>
-              <a:tr h="202125">
-                <a:tc>
-                  <a:txBody>
-                    <a:bodyPr/>
-                    <a:lstStyle/>
-                    <a:p>
-                      <a:pPr marL="0" marR="0" lvl="0" indent="0" algn="ctr" rtl="0">
-                        <a:spcBef>
-                          <a:spcPts val="0"/>
-                        </a:spcBef>
-                        <a:buSzPct val="25000"/>
-                        <a:buNone/>
-                      </a:pPr>
-                      <a:r>
-                        <a:rPr lang="en-US" sz="1600" b="1" u="none" strike="noStrike"/>
-                        <a:t>N</a:t>
-                      </a:r>
-                    </a:p>
-                  </a:txBody>
-                  <a:tcPr marL="9525" marR="9525" marT="9525" marB="0" anchor="b">
-                    <a:solidFill>
-                      <a:srgbClr val="F2F2F2"/>
-                    </a:solidFill>
-                  </a:tcPr>
-                </a:tc>
-                <a:tc>
-                  <a:txBody>
-                    <a:bodyPr/>
-                    <a:lstStyle/>
-                    <a:p>
-                      <a:pPr marL="0" marR="0" lvl="0" indent="0" algn="ctr" rtl="0">
-                        <a:spcBef>
-                          <a:spcPts val="0"/>
-                        </a:spcBef>
-                        <a:buSzPct val="25000"/>
-                        <a:buNone/>
-                      </a:pPr>
-                      <a:r>
-                        <a:rPr lang="en-US" sz="1600" u="none" strike="noStrike"/>
-                        <a:t>226</a:t>
-                      </a:r>
-                    </a:p>
-                  </a:txBody>
-                  <a:tcPr marL="9525" marR="9525" marT="9525" marB="0" anchor="b">
-                    <a:solidFill>
-                      <a:srgbClr val="F2F2F2"/>
-                    </a:solidFill>
-                  </a:tcPr>
-                </a:tc>
-                <a:tc>
-                  <a:txBody>
-                    <a:bodyPr/>
-                    <a:lstStyle/>
-                    <a:p>
-                      <a:pPr marL="0" marR="0" lvl="0" indent="0" algn="ctr" rtl="0">
-                        <a:spcBef>
-                          <a:spcPts val="0"/>
-                        </a:spcBef>
-                        <a:buSzPct val="25000"/>
-                        <a:buNone/>
-                      </a:pPr>
-                      <a:r>
-                        <a:rPr lang="en-US" sz="1600" u="none" strike="noStrike"/>
-                        <a:t>196</a:t>
-                      </a:r>
-                    </a:p>
-                  </a:txBody>
-                  <a:tcPr marL="9525" marR="9525" marT="9525" marB="0" anchor="b">
-                    <a:solidFill>
-                      <a:srgbClr val="F2F2F2"/>
-                    </a:solidFill>
-                  </a:tcPr>
-                </a:tc>
-                <a:tc>
-                  <a:txBody>
-                    <a:bodyPr/>
-                    <a:lstStyle/>
-                    <a:p>
-                      <a:pPr marL="0" marR="0" lvl="0" indent="0" algn="ctr" rtl="0">
-                        <a:spcBef>
-                          <a:spcPts val="0"/>
-                        </a:spcBef>
-                        <a:buSzPct val="25000"/>
-                        <a:buNone/>
-                      </a:pPr>
-                      <a:r>
-                        <a:rPr lang="en-US" sz="1600" u="none" strike="noStrike">
-                          <a:solidFill>
-                            <a:srgbClr val="FFFF99"/>
-                          </a:solidFill>
-                        </a:rPr>
-                        <a:t>30</a:t>
-                      </a:r>
-                    </a:p>
-                  </a:txBody>
-                  <a:tcPr marL="9525" marR="9525" marT="9525" marB="0" anchor="b">
-                    <a:solidFill>
-                      <a:srgbClr val="366092"/>
-                    </a:solidFill>
-                  </a:tcPr>
-                </a:tc>
-                <a:extLst>
-                  <a:ext uri="{0D108BD9-81ED-4DB2-BD59-A6C34878D82A}">
-                    <a16:rowId xmlns:a16="http://schemas.microsoft.com/office/drawing/2014/main" val="10014"/>
+                    <a16:rowId xmlns:a16="http://schemas.microsoft.com/office/drawing/2014/main" val="563160767"/>
                   </a:ext>
                 </a:extLst>
               </a:tr>
@@ -21551,249 +20344,6 @@
           </a:graphicData>
         </a:graphic>
       </p:graphicFrame>
-      <p:sp>
-        <p:nvSpPr>
-          <p:cNvPr id="227" name="Shape 227"/>
-          <p:cNvSpPr/>
-          <p:nvPr/>
-        </p:nvSpPr>
-        <p:spPr>
-          <a:xfrm>
-            <a:off x="621825" y="2322725"/>
-            <a:ext cx="1928700" cy="646200"/>
-          </a:xfrm>
-          <a:prstGeom prst="rect">
-            <a:avLst/>
-          </a:prstGeom>
-          <a:blipFill rotWithShape="1">
-            <a:blip r:embed="rId3">
-              <a:alphaModFix/>
-            </a:blip>
-            <a:stretch>
-              <a:fillRect/>
-            </a:stretch>
-          </a:blipFill>
-          <a:ln>
-            <a:noFill/>
-          </a:ln>
-        </p:spPr>
-        <p:txBody>
-          <a:bodyPr lIns="91425" tIns="45700" rIns="91425" bIns="45700" anchor="t" anchorCtr="0">
-            <a:noAutofit/>
-          </a:bodyPr>
-          <a:lstStyle/>
-          <a:p>
-            <a:pPr marL="0" marR="0" lvl="0" indent="0" algn="l" rtl="0">
-              <a:spcBef>
-                <a:spcPts val="0"/>
-              </a:spcBef>
-              <a:buSzPct val="25000"/>
-              <a:buNone/>
-            </a:pPr>
-            <a:r>
-              <a:rPr lang="en-US" sz="1800">
-                <a:latin typeface="Gill Sans MT"/>
-                <a:ea typeface="Gill Sans MT"/>
-                <a:cs typeface="Gill Sans MT"/>
-                <a:sym typeface="Gill Sans MT"/>
-              </a:rPr>
-              <a:t> </a:t>
-            </a:r>
-          </a:p>
-        </p:txBody>
-      </p:sp>
-      <p:sp>
-        <p:nvSpPr>
-          <p:cNvPr id="228" name="Shape 228"/>
-          <p:cNvSpPr/>
-          <p:nvPr/>
-        </p:nvSpPr>
-        <p:spPr>
-          <a:xfrm>
-            <a:off x="6531875" y="2322661"/>
-            <a:ext cx="1928700" cy="646200"/>
-          </a:xfrm>
-          <a:prstGeom prst="rect">
-            <a:avLst/>
-          </a:prstGeom>
-          <a:blipFill rotWithShape="1">
-            <a:blip r:embed="rId4">
-              <a:alphaModFix/>
-            </a:blip>
-            <a:stretch>
-              <a:fillRect/>
-            </a:stretch>
-          </a:blipFill>
-          <a:ln>
-            <a:noFill/>
-          </a:ln>
-        </p:spPr>
-        <p:txBody>
-          <a:bodyPr lIns="91425" tIns="45700" rIns="91425" bIns="45700" anchor="t" anchorCtr="0">
-            <a:noAutofit/>
-          </a:bodyPr>
-          <a:lstStyle/>
-          <a:p>
-            <a:pPr marL="0" marR="0" lvl="0" indent="0" algn="l" rtl="0">
-              <a:spcBef>
-                <a:spcPts val="0"/>
-              </a:spcBef>
-              <a:buSzPct val="25000"/>
-              <a:buNone/>
-            </a:pPr>
-            <a:r>
-              <a:rPr lang="en-US" sz="1800">
-                <a:latin typeface="Gill Sans MT"/>
-                <a:ea typeface="Gill Sans MT"/>
-                <a:cs typeface="Gill Sans MT"/>
-                <a:sym typeface="Gill Sans MT"/>
-              </a:rPr>
-              <a:t> </a:t>
-            </a:r>
-          </a:p>
-        </p:txBody>
-      </p:sp>
-      <p:cxnSp>
-        <p:nvCxnSpPr>
-          <p:cNvPr id="229" name="Shape 229"/>
-          <p:cNvCxnSpPr/>
-          <p:nvPr/>
-        </p:nvCxnSpPr>
-        <p:spPr>
-          <a:xfrm flipH="1">
-            <a:off x="1391425" y="844375"/>
-            <a:ext cx="9000" cy="1478400"/>
-          </a:xfrm>
-          <a:prstGeom prst="straightConnector1">
-            <a:avLst/>
-          </a:prstGeom>
-          <a:noFill/>
-          <a:ln w="28575" cap="flat" cmpd="sng">
-            <a:solidFill>
-              <a:srgbClr val="FFFF66"/>
-            </a:solidFill>
-            <a:prstDash val="solid"/>
-            <a:round/>
-            <a:headEnd type="none" w="med" len="med"/>
-            <a:tailEnd type="stealth" w="lg" len="lg"/>
-          </a:ln>
-        </p:spPr>
-      </p:cxnSp>
-      <p:cxnSp>
-        <p:nvCxnSpPr>
-          <p:cNvPr id="230" name="Shape 230"/>
-          <p:cNvCxnSpPr/>
-          <p:nvPr/>
-        </p:nvCxnSpPr>
-        <p:spPr>
-          <a:xfrm flipH="1">
-            <a:off x="7238900" y="823775"/>
-            <a:ext cx="20700" cy="1584000"/>
-          </a:xfrm>
-          <a:prstGeom prst="straightConnector1">
-            <a:avLst/>
-          </a:prstGeom>
-          <a:noFill/>
-          <a:ln w="28575" cap="flat" cmpd="sng">
-            <a:solidFill>
-              <a:srgbClr val="FFFF66"/>
-            </a:solidFill>
-            <a:prstDash val="solid"/>
-            <a:round/>
-            <a:headEnd type="none" w="med" len="med"/>
-            <a:tailEnd type="stealth" w="lg" len="lg"/>
-          </a:ln>
-        </p:spPr>
-      </p:cxnSp>
-      <p:sp>
-        <p:nvSpPr>
-          <p:cNvPr id="231" name="Shape 231"/>
-          <p:cNvSpPr txBox="1"/>
-          <p:nvPr/>
-        </p:nvSpPr>
-        <p:spPr>
-          <a:xfrm>
-            <a:off x="330564" y="5059951"/>
-            <a:ext cx="8674500" cy="1385100"/>
-          </a:xfrm>
-          <a:prstGeom prst="rect">
-            <a:avLst/>
-          </a:prstGeom>
-          <a:noFill/>
-          <a:ln>
-            <a:noFill/>
-          </a:ln>
-        </p:spPr>
-        <p:txBody>
-          <a:bodyPr lIns="91425" tIns="45700" rIns="91425" bIns="45700" anchor="t" anchorCtr="0">
-            <a:noAutofit/>
-          </a:bodyPr>
-          <a:lstStyle/>
-          <a:p>
-            <a:pPr marL="0" marR="0" lvl="0" indent="0" algn="ctr" rtl="0">
-              <a:spcBef>
-                <a:spcPts val="0"/>
-              </a:spcBef>
-              <a:buSzPct val="25000"/>
-              <a:buNone/>
-            </a:pPr>
-            <a:r>
-              <a:rPr lang="en-US" sz="2800">
-                <a:solidFill>
-                  <a:srgbClr val="FFFF66"/>
-                </a:solidFill>
-                <a:latin typeface="Gill Sans MT"/>
-                <a:ea typeface="Gill Sans MT"/>
-                <a:cs typeface="Gill Sans MT"/>
-                <a:sym typeface="Gill Sans MT"/>
-              </a:rPr>
-              <a:t>Matched pairs have smaller standard errors</a:t>
-            </a:r>
-          </a:p>
-          <a:p>
-            <a:pPr marL="0" marR="0" lvl="0" indent="0" algn="ctr" rtl="0">
-              <a:spcBef>
-                <a:spcPts val="0"/>
-              </a:spcBef>
-              <a:buSzPct val="25000"/>
-              <a:buNone/>
-            </a:pPr>
-            <a:r>
-              <a:rPr lang="en-US" sz="2800">
-                <a:solidFill>
-                  <a:srgbClr val="FFFF66"/>
-                </a:solidFill>
-                <a:latin typeface="Gill Sans MT"/>
-                <a:ea typeface="Gill Sans MT"/>
-                <a:cs typeface="Gill Sans MT"/>
-                <a:sym typeface="Gill Sans MT"/>
-              </a:rPr>
-              <a:t>This ignores the dispersion in the sample</a:t>
-            </a:r>
-          </a:p>
-          <a:p>
-            <a:pPr marL="0" marR="0" lvl="0" indent="0" algn="ctr" rtl="0">
-              <a:spcBef>
-                <a:spcPts val="0"/>
-              </a:spcBef>
-              <a:buSzPct val="25000"/>
-              <a:buNone/>
-            </a:pPr>
-            <a:r>
-              <a:rPr lang="en-US" sz="2800">
-                <a:solidFill>
-                  <a:srgbClr val="FFFF66"/>
-                </a:solidFill>
-                <a:latin typeface="Gill Sans MT"/>
-                <a:ea typeface="Gill Sans MT"/>
-                <a:cs typeface="Gill Sans MT"/>
-                <a:sym typeface="Gill Sans MT"/>
-              </a:rPr>
-              <a:t>This allows more frequent rejection of the null hypothesis.</a:t>
-            </a:r>
-          </a:p>
-        </p:txBody>
-      </p:sp>
     </p:spTree>
   </p:cSld>
   <p:clrMapOvr>
@@ -22943,6 +21493,13 @@
   <p:clrMapOvr>
     <a:masterClrMapping/>
   </p:clrMapOvr>
+  <p:timing>
+    <p:tnLst>
+      <p:par>
+        <p:cTn id="1" dur="indefinite" restart="never" nodeType="tmRoot"/>
+      </p:par>
+    </p:tnLst>
+  </p:timing>
 </p:sld>
 </file>
 
@@ -24342,19 +22899,7 @@
                 <a:cs typeface="Gill Sans MT"/>
                 <a:sym typeface="Gill Sans MT"/>
               </a:rPr>
-              <a:t>de</a:t>
-            </a:r>
-            <a:r>
-              <a:rPr lang="en-US" sz="3200" b="1" i="1" dirty="0" smtClean="0">
-                <a:solidFill>
-                  <a:srgbClr val="FFFF66"/>
-                </a:solidFill>
-                <a:latin typeface="Gill Sans MT"/>
-                <a:ea typeface="Gill Sans MT"/>
-                <a:cs typeface="Gill Sans MT"/>
-                <a:sym typeface="Gill Sans MT"/>
-              </a:rPr>
-              <a:t>crease</a:t>
+              <a:t>decrease</a:t>
             </a:r>
             <a:r>
               <a:rPr lang="en-US" sz="3200" b="1" dirty="0" smtClean="0">
@@ -24388,6 +22933,13 @@
   <p:clrMapOvr>
     <a:masterClrMapping/>
   </p:clrMapOvr>
+  <p:timing>
+    <p:tnLst>
+      <p:par>
+        <p:cTn id="1" dur="indefinite" restart="never" nodeType="tmRoot"/>
+      </p:par>
+    </p:tnLst>
+  </p:timing>
 </p:sld>
 </file>
 
@@ -26365,6 +24917,13 @@
   <p:clrMapOvr>
     <a:masterClrMapping/>
   </p:clrMapOvr>
+  <p:timing>
+    <p:tnLst>
+      <p:par>
+        <p:cTn id="1" dur="indefinite" restart="never" nodeType="tmRoot"/>
+      </p:par>
+    </p:tnLst>
+  </p:timing>
 </p:sld>
 </file>
 
@@ -28311,6 +26870,13 @@
   <p:clrMapOvr>
     <a:masterClrMapping/>
   </p:clrMapOvr>
+  <p:timing>
+    <p:tnLst>
+      <p:par>
+        <p:cTn id="1" dur="indefinite" restart="never" nodeType="tmRoot"/>
+      </p:par>
+    </p:tnLst>
+  </p:timing>
 </p:sld>
 </file>
 
@@ -30098,8 +28664,8 @@
           </a:p>
         </p:txBody>
       </p:sp>
-      <mc:AlternateContent xmlns:mc="http://schemas.openxmlformats.org/markup-compatibility/2006">
-        <mc:Choice xmlns:a14="http://schemas.microsoft.com/office/drawing/2010/main" Requires="a14">
+      <mc:AlternateContent xmlns:mc="http://schemas.openxmlformats.org/markup-compatibility/2006" xmlns:a14="http://schemas.microsoft.com/office/drawing/2010/main">
+        <mc:Choice Requires="a14">
           <p:sp>
             <p:nvSpPr>
               <p:cNvPr id="6" name="Shape 161"/>
@@ -30236,12 +28802,12 @@
                               <a:latin typeface="Cambria Math" panose="02040503050406030204" pitchFamily="18" charset="0"/>
                               <a:sym typeface="Gill Sans MT"/>
                             </a:rPr>
-                            <m:t>1980</m:t>
+                            <m:t>1990</m:t>
                           </m:r>
                         </m:sub>
                       </m:sSub>
                       <m:r>
-                        <a:rPr lang="en-US" sz="2800" b="0" i="1" smtClean="0">
+                        <a:rPr lang="en-US" sz="2800" i="1">
                           <a:solidFill>
                             <a:srgbClr val="FFFF66"/>
                           </a:solidFill>
@@ -30249,7 +28815,7 @@
                           <a:ea typeface="Cambria Math" panose="02040503050406030204" pitchFamily="18" charset="0"/>
                           <a:sym typeface="Gill Sans MT"/>
                         </a:rPr>
-                        <m:t>≥</m:t>
+                        <m:t>≤</m:t>
                       </m:r>
                       <m:sSub>
                         <m:sSubPr>
@@ -30339,14 +28905,14 @@
                         </m:e>
                         <m:sub>
                           <m:r>
-                            <a:rPr lang="en-US" sz="2800" i="1">
+                            <a:rPr lang="en-US" sz="2800" b="0" i="1" smtClean="0">
                               <a:solidFill>
                                 <a:srgbClr val="FFFF66"/>
                               </a:solidFill>
                               <a:latin typeface="Cambria Math" panose="02040503050406030204" pitchFamily="18" charset="0"/>
                               <a:sym typeface="Gill Sans MT"/>
                             </a:rPr>
-                            <m:t>0</m:t>
+                            <m:t>𝐴</m:t>
                           </m:r>
                         </m:sub>
                       </m:sSub>
@@ -30394,12 +28960,32 @@
                               <a:latin typeface="Cambria Math" panose="02040503050406030204" pitchFamily="18" charset="0"/>
                               <a:sym typeface="Gill Sans MT"/>
                             </a:rPr>
-                            <m:t>1980</m:t>
+                            <m:t>19</m:t>
+                          </m:r>
+                          <m:r>
+                            <a:rPr lang="en-US" sz="2800" b="0" i="1" smtClean="0">
+                              <a:solidFill>
+                                <a:srgbClr val="FFFF66"/>
+                              </a:solidFill>
+                              <a:latin typeface="Cambria Math" panose="02040503050406030204" pitchFamily="18" charset="0"/>
+                              <a:sym typeface="Gill Sans MT"/>
+                            </a:rPr>
+                            <m:t>9</m:t>
+                          </m:r>
+                          <m:r>
+                            <a:rPr lang="en-US" sz="2800" i="1">
+                              <a:solidFill>
+                                <a:srgbClr val="FFFF66"/>
+                              </a:solidFill>
+                              <a:latin typeface="Cambria Math" panose="02040503050406030204" pitchFamily="18" charset="0"/>
+                              <a:sym typeface="Gill Sans MT"/>
+                            </a:rPr>
+                            <m:t>0</m:t>
                           </m:r>
                         </m:sub>
                       </m:sSub>
                       <m:r>
-                        <a:rPr lang="en-US" sz="2800" i="1" smtClean="0">
+                        <a:rPr lang="en-US" sz="2800" i="1">
                           <a:solidFill>
                             <a:srgbClr val="FFFF66"/>
                           </a:solidFill>
@@ -30407,7 +28993,7 @@
                           <a:ea typeface="Cambria Math" panose="02040503050406030204" pitchFamily="18" charset="0"/>
                           <a:sym typeface="Gill Sans MT"/>
                         </a:rPr>
-                        <m:t>&lt;</m:t>
+                        <m:t>&gt;</m:t>
                       </m:r>
                       <m:sSub>
                         <m:sSubPr>
@@ -30464,7 +29050,7 @@
             </p:txBody>
           </p:sp>
         </mc:Choice>
-        <mc:Fallback>
+        <mc:Fallback xmlns="">
           <p:sp>
             <p:nvSpPr>
               <p:cNvPr id="6" name="Shape 161"/>
@@ -30481,7 +29067,7 @@
               <a:prstGeom prst="rect">
                 <a:avLst/>
               </a:prstGeom>
-              <a:blipFill>
+              <a:blipFill rotWithShape="0">
                 <a:blip r:embed="rId3"/>
                 <a:stretch>
                   <a:fillRect l="-3120" t="-11458" b="-197917"/>
@@ -30549,6 +29135,9 @@
                     <p:cTn id="3" fill="hold">
                       <p:stCondLst>
                         <p:cond delay="indefinite"/>
+                        <p:cond evt="onBegin" delay="0">
+                          <p:tn val="2"/>
+                        </p:cond>
                       </p:stCondLst>
                       <p:childTnLst>
                         <p:par>
@@ -30558,7 +29147,7 @@
                             </p:stCondLst>
                             <p:childTnLst>
                               <p:par>
-                                <p:cTn id="5" presetID="10" presetClass="entr" presetSubtype="0" fill="hold" nodeType="clickEffect">
+                                <p:cTn id="5" presetID="10" presetClass="entr" presetSubtype="0" fill="hold" grpId="0" nodeType="withEffect">
                                   <p:stCondLst>
                                     <p:cond delay="0"/>
                                   </p:stCondLst>
@@ -30566,92 +29155,6 @@
                                     <p:set>
                                       <p:cBhvr>
                                         <p:cTn id="6" dur="1" fill="hold">
-                                          <p:stCondLst>
-                                            <p:cond delay="0"/>
-                                          </p:stCondLst>
-                                        </p:cTn>
-                                        <p:tgtEl>
-                                          <p:spTgt spid="6">
-                                            <p:txEl>
-                                              <p:pRg st="1" end="1"/>
-                                            </p:txEl>
-                                          </p:spTgt>
-                                        </p:tgtEl>
-                                        <p:attrNameLst>
-                                          <p:attrName>style.visibility</p:attrName>
-                                        </p:attrNameLst>
-                                      </p:cBhvr>
-                                      <p:to>
-                                        <p:strVal val="visible"/>
-                                      </p:to>
-                                    </p:set>
-                                    <p:animEffect transition="in" filter="fade">
-                                      <p:cBhvr>
-                                        <p:cTn id="7" dur="500"/>
-                                        <p:tgtEl>
-                                          <p:spTgt spid="6">
-                                            <p:txEl>
-                                              <p:pRg st="1" end="1"/>
-                                            </p:txEl>
-                                          </p:spTgt>
-                                        </p:tgtEl>
-                                      </p:cBhvr>
-                                    </p:animEffect>
-                                  </p:childTnLst>
-                                </p:cTn>
-                              </p:par>
-                              <p:par>
-                                <p:cTn id="8" presetID="10" presetClass="entr" presetSubtype="0" fill="hold" nodeType="withEffect">
-                                  <p:stCondLst>
-                                    <p:cond delay="0"/>
-                                  </p:stCondLst>
-                                  <p:childTnLst>
-                                    <p:set>
-                                      <p:cBhvr>
-                                        <p:cTn id="9" dur="1" fill="hold">
-                                          <p:stCondLst>
-                                            <p:cond delay="0"/>
-                                          </p:stCondLst>
-                                        </p:cTn>
-                                        <p:tgtEl>
-                                          <p:spTgt spid="6">
-                                            <p:txEl>
-                                              <p:pRg st="2" end="2"/>
-                                            </p:txEl>
-                                          </p:spTgt>
-                                        </p:tgtEl>
-                                        <p:attrNameLst>
-                                          <p:attrName>style.visibility</p:attrName>
-                                        </p:attrNameLst>
-                                      </p:cBhvr>
-                                      <p:to>
-                                        <p:strVal val="visible"/>
-                                      </p:to>
-                                    </p:set>
-                                    <p:animEffect transition="in" filter="fade">
-                                      <p:cBhvr>
-                                        <p:cTn id="10" dur="500"/>
-                                        <p:tgtEl>
-                                          <p:spTgt spid="6">
-                                            <p:txEl>
-                                              <p:pRg st="2" end="2"/>
-                                            </p:txEl>
-                                          </p:spTgt>
-                                        </p:tgtEl>
-                                      </p:cBhvr>
-                                    </p:animEffect>
-                                  </p:childTnLst>
-                                </p:cTn>
-                              </p:par>
-                              <p:par>
-                                <p:cTn id="11" presetID="10" presetClass="entr" presetSubtype="0" fill="hold" grpId="0" nodeType="withEffect">
-                                  <p:stCondLst>
-                                    <p:cond delay="0"/>
-                                  </p:stCondLst>
-                                  <p:childTnLst>
-                                    <p:set>
-                                      <p:cBhvr>
-                                        <p:cTn id="12" dur="1" fill="hold">
                                           <p:stCondLst>
                                             <p:cond delay="0"/>
                                           </p:stCondLst>
@@ -30669,7 +29172,7 @@
                                     </p:set>
                                     <p:animEffect transition="in" filter="fade">
                                       <p:cBhvr>
-                                        <p:cTn id="13" dur="500"/>
+                                        <p:cTn id="7" dur="500"/>
                                         <p:tgtEl>
                                           <p:spTgt spid="161"/>
                                         </p:tgtEl>
